--- a/Writing/Slides/workflow.pptx
+++ b/Writing/Slides/workflow.pptx
@@ -7,7 +7,7 @@
   <p:sldIdLst>
     <p:sldId id="256" r:id="rId2"/>
     <p:sldId id="258" r:id="rId3"/>
-    <p:sldId id="257" r:id="rId4"/>
+    <p:sldId id="260" r:id="rId4"/>
     <p:sldId id="259" r:id="rId5"/>
   </p:sldIdLst>
   <p:sldSz cx="12192000" cy="6858000"/>
@@ -107,6 +107,11 @@
       </a:defRPr>
     </a:lvl9pPr>
   </p:defaultTextStyle>
+  <p:extLst>
+    <p:ext uri="{EFAFB233-063F-42B5-8137-9DF3F51BA10A}">
+      <p15:sldGuideLst xmlns:p15="http://schemas.microsoft.com/office/powerpoint/2012/main"/>
+    </p:ext>
+  </p:extLst>
 </p:presentation>
 </file>
 
@@ -241,7 +246,7 @@
           <a:p>
             <a:fld id="{6D142D95-6D84-4008-AF5D-42BEF5FE4170}" type="datetimeFigureOut">
               <a:rPr lang="en-US" smtClean="0"/>
-              <a:t>11/3/2020</a:t>
+              <a:t>11/16/2020</a:t>
             </a:fld>
             <a:endParaRPr lang="en-US"/>
           </a:p>
@@ -411,7 +416,7 @@
           <a:p>
             <a:fld id="{6D142D95-6D84-4008-AF5D-42BEF5FE4170}" type="datetimeFigureOut">
               <a:rPr lang="en-US" smtClean="0"/>
-              <a:t>11/3/2020</a:t>
+              <a:t>11/16/2020</a:t>
             </a:fld>
             <a:endParaRPr lang="en-US"/>
           </a:p>
@@ -591,7 +596,7 @@
           <a:p>
             <a:fld id="{6D142D95-6D84-4008-AF5D-42BEF5FE4170}" type="datetimeFigureOut">
               <a:rPr lang="en-US" smtClean="0"/>
-              <a:t>11/3/2020</a:t>
+              <a:t>11/16/2020</a:t>
             </a:fld>
             <a:endParaRPr lang="en-US"/>
           </a:p>
@@ -761,7 +766,7 @@
           <a:p>
             <a:fld id="{6D142D95-6D84-4008-AF5D-42BEF5FE4170}" type="datetimeFigureOut">
               <a:rPr lang="en-US" smtClean="0"/>
-              <a:t>11/3/2020</a:t>
+              <a:t>11/16/2020</a:t>
             </a:fld>
             <a:endParaRPr lang="en-US"/>
           </a:p>
@@ -1007,7 +1012,7 @@
           <a:p>
             <a:fld id="{6D142D95-6D84-4008-AF5D-42BEF5FE4170}" type="datetimeFigureOut">
               <a:rPr lang="en-US" smtClean="0"/>
-              <a:t>11/3/2020</a:t>
+              <a:t>11/16/2020</a:t>
             </a:fld>
             <a:endParaRPr lang="en-US"/>
           </a:p>
@@ -1239,7 +1244,7 @@
           <a:p>
             <a:fld id="{6D142D95-6D84-4008-AF5D-42BEF5FE4170}" type="datetimeFigureOut">
               <a:rPr lang="en-US" smtClean="0"/>
-              <a:t>11/3/2020</a:t>
+              <a:t>11/16/2020</a:t>
             </a:fld>
             <a:endParaRPr lang="en-US"/>
           </a:p>
@@ -1606,7 +1611,7 @@
           <a:p>
             <a:fld id="{6D142D95-6D84-4008-AF5D-42BEF5FE4170}" type="datetimeFigureOut">
               <a:rPr lang="en-US" smtClean="0"/>
-              <a:t>11/3/2020</a:t>
+              <a:t>11/16/2020</a:t>
             </a:fld>
             <a:endParaRPr lang="en-US"/>
           </a:p>
@@ -1724,7 +1729,7 @@
           <a:p>
             <a:fld id="{6D142D95-6D84-4008-AF5D-42BEF5FE4170}" type="datetimeFigureOut">
               <a:rPr lang="en-US" smtClean="0"/>
-              <a:t>11/3/2020</a:t>
+              <a:t>11/16/2020</a:t>
             </a:fld>
             <a:endParaRPr lang="en-US"/>
           </a:p>
@@ -1819,7 +1824,7 @@
           <a:p>
             <a:fld id="{6D142D95-6D84-4008-AF5D-42BEF5FE4170}" type="datetimeFigureOut">
               <a:rPr lang="en-US" smtClean="0"/>
-              <a:t>11/3/2020</a:t>
+              <a:t>11/16/2020</a:t>
             </a:fld>
             <a:endParaRPr lang="en-US"/>
           </a:p>
@@ -2096,7 +2101,7 @@
           <a:p>
             <a:fld id="{6D142D95-6D84-4008-AF5D-42BEF5FE4170}" type="datetimeFigureOut">
               <a:rPr lang="en-US" smtClean="0"/>
-              <a:t>11/3/2020</a:t>
+              <a:t>11/16/2020</a:t>
             </a:fld>
             <a:endParaRPr lang="en-US"/>
           </a:p>
@@ -2349,7 +2354,7 @@
           <a:p>
             <a:fld id="{6D142D95-6D84-4008-AF5D-42BEF5FE4170}" type="datetimeFigureOut">
               <a:rPr lang="en-US" smtClean="0"/>
-              <a:t>11/3/2020</a:t>
+              <a:t>11/16/2020</a:t>
             </a:fld>
             <a:endParaRPr lang="en-US"/>
           </a:p>
@@ -2562,7 +2567,7 @@
           <a:p>
             <a:fld id="{6D142D95-6D84-4008-AF5D-42BEF5FE4170}" type="datetimeFigureOut">
               <a:rPr lang="en-US" smtClean="0"/>
-              <a:t>11/3/2020</a:t>
+              <a:t>11/16/2020</a:t>
             </a:fld>
             <a:endParaRPr lang="en-US"/>
           </a:p>
@@ -5554,209 +5559,15 @@
           <a:chExt cx="0" cy="0"/>
         </a:xfrm>
       </p:grpSpPr>
-      <p:sp>
-        <p:nvSpPr>
-          <p:cNvPr id="22" name="Rectangle 21"/>
-          <p:cNvSpPr/>
-          <p:nvPr/>
-        </p:nvSpPr>
-        <p:spPr>
-          <a:xfrm>
-            <a:off x="701039" y="977144"/>
-            <a:ext cx="3137413" cy="4884160"/>
-          </a:xfrm>
-          <a:prstGeom prst="rect">
-            <a:avLst/>
-          </a:prstGeom>
-        </p:spPr>
-        <p:style>
-          <a:lnRef idx="2">
-            <a:schemeClr val="dk1"/>
-          </a:lnRef>
-          <a:fillRef idx="1">
-            <a:schemeClr val="lt1"/>
-          </a:fillRef>
-          <a:effectRef idx="0">
-            <a:schemeClr val="dk1"/>
-          </a:effectRef>
-          <a:fontRef idx="minor">
-            <a:schemeClr val="dk1"/>
-          </a:fontRef>
-        </p:style>
-        <p:txBody>
-          <a:bodyPr rtlCol="0" anchor="ctr"/>
-          <a:lstStyle/>
-          <a:p>
-            <a:pPr algn="ctr"/>
-            <a:endParaRPr lang="en-US"/>
-          </a:p>
-        </p:txBody>
-      </p:sp>
-      <p:sp>
-        <p:nvSpPr>
-          <p:cNvPr id="21" name="Rectangle 20"/>
-          <p:cNvSpPr/>
-          <p:nvPr/>
-        </p:nvSpPr>
-        <p:spPr>
-          <a:xfrm>
-            <a:off x="7702607" y="1282861"/>
-            <a:ext cx="3048000" cy="4488180"/>
-          </a:xfrm>
-          <a:prstGeom prst="rect">
-            <a:avLst/>
-          </a:prstGeom>
-        </p:spPr>
-        <p:style>
-          <a:lnRef idx="2">
-            <a:schemeClr val="accent2"/>
-          </a:lnRef>
-          <a:fillRef idx="1">
-            <a:schemeClr val="lt1"/>
-          </a:fillRef>
-          <a:effectRef idx="0">
-            <a:schemeClr val="accent2"/>
-          </a:effectRef>
-          <a:fontRef idx="minor">
-            <a:schemeClr val="dk1"/>
-          </a:fontRef>
-        </p:style>
-        <p:txBody>
-          <a:bodyPr rtlCol="0" anchor="ctr"/>
-          <a:lstStyle/>
-          <a:p>
-            <a:pPr algn="ctr"/>
-            <a:endParaRPr lang="en-US"/>
-          </a:p>
-        </p:txBody>
-      </p:sp>
-      <p:pic>
-        <p:nvPicPr>
-          <p:cNvPr id="5" name="Picture 4"/>
-          <p:cNvPicPr>
-            <a:picLocks noChangeAspect="1"/>
-          </p:cNvPicPr>
-          <p:nvPr/>
-        </p:nvPicPr>
-        <p:blipFill rotWithShape="1">
-          <a:blip r:embed="rId2" cstate="print">
-            <a:extLst>
-              <a:ext uri="{28A0092B-C50C-407E-A947-70E740481C1C}">
-                <a14:useLocalDpi xmlns:a14="http://schemas.microsoft.com/office/drawing/2010/main" val="0"/>
-              </a:ext>
-            </a:extLst>
-          </a:blip>
-          <a:srcRect l="19614" t="24134" r="24789" b="35333"/>
-          <a:stretch/>
-        </p:blipFill>
-        <p:spPr>
-          <a:xfrm>
-            <a:off x="5909117" y="3384169"/>
-            <a:ext cx="765811" cy="285564"/>
-          </a:xfrm>
-          <a:prstGeom prst="rect">
-            <a:avLst/>
-          </a:prstGeom>
-        </p:spPr>
-      </p:pic>
-      <p:pic>
-        <p:nvPicPr>
-          <p:cNvPr id="7" name="Picture 6"/>
-          <p:cNvPicPr>
-            <a:picLocks noChangeAspect="1"/>
-          </p:cNvPicPr>
-          <p:nvPr/>
-        </p:nvPicPr>
-        <p:blipFill>
-          <a:blip r:embed="rId3" cstate="print">
-            <a:extLst>
-              <a:ext uri="{28A0092B-C50C-407E-A947-70E740481C1C}">
-                <a14:useLocalDpi xmlns:a14="http://schemas.microsoft.com/office/drawing/2010/main" val="0"/>
-              </a:ext>
-            </a:extLst>
-          </a:blip>
-          <a:stretch>
-            <a:fillRect/>
-          </a:stretch>
-        </p:blipFill>
-        <p:spPr>
-          <a:xfrm>
-            <a:off x="6834881" y="3058299"/>
-            <a:ext cx="362078" cy="325870"/>
-          </a:xfrm>
-          <a:prstGeom prst="rect">
-            <a:avLst/>
-          </a:prstGeom>
-        </p:spPr>
-      </p:pic>
-      <p:pic>
-        <p:nvPicPr>
-          <p:cNvPr id="8" name="Picture 7"/>
-          <p:cNvPicPr>
-            <a:picLocks noChangeAspect="1"/>
-          </p:cNvPicPr>
-          <p:nvPr/>
-        </p:nvPicPr>
-        <p:blipFill>
-          <a:blip r:embed="rId4" cstate="print">
-            <a:extLst>
-              <a:ext uri="{28A0092B-C50C-407E-A947-70E740481C1C}">
-                <a14:useLocalDpi xmlns:a14="http://schemas.microsoft.com/office/drawing/2010/main" val="0"/>
-              </a:ext>
-            </a:extLst>
-          </a:blip>
-          <a:stretch>
-            <a:fillRect/>
-          </a:stretch>
-        </p:blipFill>
-        <p:spPr>
-          <a:xfrm>
-            <a:off x="6000216" y="2788629"/>
-            <a:ext cx="706208" cy="367665"/>
-          </a:xfrm>
-          <a:prstGeom prst="rect">
-            <a:avLst/>
-          </a:prstGeom>
-        </p:spPr>
-      </p:pic>
-      <p:pic>
-        <p:nvPicPr>
-          <p:cNvPr id="9" name="Picture 8"/>
-          <p:cNvPicPr>
-            <a:picLocks noChangeAspect="1"/>
-          </p:cNvPicPr>
-          <p:nvPr/>
-        </p:nvPicPr>
-        <p:blipFill rotWithShape="1">
-          <a:blip r:embed="rId5" cstate="print">
-            <a:extLst>
-              <a:ext uri="{28A0092B-C50C-407E-A947-70E740481C1C}">
-                <a14:useLocalDpi xmlns:a14="http://schemas.microsoft.com/office/drawing/2010/main" val="0"/>
-              </a:ext>
-            </a:extLst>
-          </a:blip>
-          <a:srcRect l="3975" t="23066" r="54325" b="26642"/>
-          <a:stretch/>
-        </p:blipFill>
-        <p:spPr>
-          <a:xfrm>
-            <a:off x="5694965" y="2333859"/>
-            <a:ext cx="1509331" cy="257890"/>
-          </a:xfrm>
-          <a:prstGeom prst="rect">
-            <a:avLst/>
-          </a:prstGeom>
-        </p:spPr>
-      </p:pic>
       <p:grpSp>
         <p:nvGrpSpPr>
-          <p:cNvPr id="20" name="Group 19"/>
+          <p:cNvPr id="4" name="Group 3"/>
           <p:cNvGrpSpPr/>
           <p:nvPr/>
         </p:nvGrpSpPr>
         <p:grpSpPr>
           <a:xfrm>
-            <a:off x="4866132" y="701363"/>
+            <a:off x="3734921" y="4396405"/>
             <a:ext cx="1852550" cy="648266"/>
             <a:chOff x="3275074" y="2702500"/>
             <a:chExt cx="1852550" cy="648266"/>
@@ -5764,7 +5575,7 @@
         </p:grpSpPr>
         <p:sp>
           <p:nvSpPr>
-            <p:cNvPr id="17" name="Rectangle 16"/>
+            <p:cNvPr id="5" name="Rectangle 4"/>
             <p:cNvSpPr/>
             <p:nvPr/>
           </p:nvSpPr>
@@ -5807,14 +5618,14 @@
         </p:sp>
         <p:pic>
           <p:nvPicPr>
-            <p:cNvPr id="18" name="Picture 17"/>
+            <p:cNvPr id="6" name="Picture 5"/>
             <p:cNvPicPr>
               <a:picLocks noChangeAspect="1"/>
             </p:cNvPicPr>
             <p:nvPr/>
           </p:nvPicPr>
           <p:blipFill rotWithShape="1">
-            <a:blip r:embed="rId6" cstate="print">
+            <a:blip r:embed="rId2" cstate="print">
               <a:extLst>
                 <a:ext uri="{28A0092B-C50C-407E-A947-70E740481C1C}">
                   <a14:useLocalDpi xmlns:a14="http://schemas.microsoft.com/office/drawing/2010/main" val="0"/>
@@ -5836,7 +5647,7 @@
         </p:pic>
         <p:sp>
           <p:nvSpPr>
-            <p:cNvPr id="19" name="TextBox 18"/>
+            <p:cNvPr id="7" name="TextBox 6"/>
             <p:cNvSpPr txBox="1"/>
             <p:nvPr/>
           </p:nvSpPr>
@@ -5865,147 +5676,34 @@
           </p:txBody>
         </p:sp>
       </p:grpSp>
-      <p:sp>
-        <p:nvSpPr>
-          <p:cNvPr id="23" name="TextBox 22"/>
-          <p:cNvSpPr txBox="1"/>
-          <p:nvPr/>
-        </p:nvSpPr>
-        <p:spPr>
-          <a:xfrm>
-            <a:off x="1720259" y="1009620"/>
-            <a:ext cx="883640" cy="400110"/>
-          </a:xfrm>
-          <a:prstGeom prst="rect">
-            <a:avLst/>
-          </a:prstGeom>
-          <a:noFill/>
-        </p:spPr>
-        <p:txBody>
-          <a:bodyPr wrap="none" rtlCol="0">
-            <a:spAutoFit/>
-          </a:bodyPr>
-          <a:lstStyle/>
-          <a:p>
-            <a:r>
-              <a:rPr lang="en-US" sz="2000" b="1" dirty="0" smtClean="0"/>
-              <a:t>AREA</a:t>
-            </a:r>
-            <a:r>
-              <a:rPr lang="en-US" sz="2000" b="1" dirty="0"/>
-              <a:t>S</a:t>
-            </a:r>
-          </a:p>
-        </p:txBody>
-      </p:sp>
       <p:grpSp>
         <p:nvGrpSpPr>
-          <p:cNvPr id="30" name="Group 29"/>
+          <p:cNvPr id="29" name="Group 28"/>
           <p:cNvGrpSpPr/>
           <p:nvPr/>
         </p:nvGrpSpPr>
         <p:grpSpPr>
           <a:xfrm>
-            <a:off x="931449" y="1445774"/>
-            <a:ext cx="2598420" cy="1775460"/>
-            <a:chOff x="925830" y="1446129"/>
-            <a:chExt cx="2598420" cy="1775460"/>
+            <a:off x="128672" y="510943"/>
+            <a:ext cx="3087899" cy="6113792"/>
+            <a:chOff x="701039" y="977144"/>
+            <a:chExt cx="3087899" cy="6113792"/>
           </a:xfrm>
         </p:grpSpPr>
         <p:sp>
           <p:nvSpPr>
-            <p:cNvPr id="24" name="Rectangle 23"/>
+            <p:cNvPr id="30" name="Rectangle 29"/>
             <p:cNvSpPr/>
             <p:nvPr/>
           </p:nvSpPr>
           <p:spPr>
             <a:xfrm>
-              <a:off x="925830" y="1446129"/>
-              <a:ext cx="2598420" cy="1775460"/>
+              <a:off x="701039" y="977144"/>
+              <a:ext cx="3087899" cy="6113792"/>
             </a:xfrm>
             <a:prstGeom prst="rect">
               <a:avLst/>
             </a:prstGeom>
-          </p:spPr>
-          <p:style>
-            <a:lnRef idx="2">
-              <a:schemeClr val="accent1"/>
-            </a:lnRef>
-            <a:fillRef idx="1">
-              <a:schemeClr val="lt1"/>
-            </a:fillRef>
-            <a:effectRef idx="0">
-              <a:schemeClr val="accent1"/>
-            </a:effectRef>
-            <a:fontRef idx="minor">
-              <a:schemeClr val="dk1"/>
-            </a:fontRef>
-          </p:style>
-          <p:txBody>
-            <a:bodyPr rtlCol="0" anchor="ctr"/>
-            <a:lstStyle/>
-            <a:p>
-              <a:pPr algn="ctr"/>
-              <a:endParaRPr lang="en-US"/>
-            </a:p>
-          </p:txBody>
-        </p:sp>
-        <p:sp>
-          <p:nvSpPr>
-            <p:cNvPr id="25" name="TextBox 24"/>
-            <p:cNvSpPr txBox="1"/>
-            <p:nvPr/>
-          </p:nvSpPr>
-          <p:spPr>
-            <a:xfrm>
-              <a:off x="1782900" y="1472639"/>
-              <a:ext cx="913840" cy="369332"/>
-            </a:xfrm>
-            <a:prstGeom prst="rect">
-              <a:avLst/>
-            </a:prstGeom>
-            <a:noFill/>
-          </p:spPr>
-          <p:txBody>
-            <a:bodyPr wrap="none" rtlCol="0">
-              <a:spAutoFit/>
-            </a:bodyPr>
-            <a:lstStyle/>
-            <a:p>
-              <a:r>
-                <a:rPr lang="en-US" dirty="0" smtClean="0"/>
-                <a:t>Sources</a:t>
-              </a:r>
-              <a:endParaRPr lang="en-US" dirty="0"/>
-            </a:p>
-          </p:txBody>
-        </p:sp>
-        <p:sp>
-          <p:nvSpPr>
-            <p:cNvPr id="10" name="Rectangle 9"/>
-            <p:cNvSpPr/>
-            <p:nvPr/>
-          </p:nvSpPr>
-          <p:spPr>
-            <a:xfrm>
-              <a:off x="1177290" y="1887358"/>
-              <a:ext cx="979170" cy="314821"/>
-            </a:xfrm>
-            <a:prstGeom prst="rect">
-              <a:avLst/>
-            </a:prstGeom>
-            <a:solidFill>
-              <a:schemeClr val="bg1">
-                <a:lumMod val="95000"/>
-              </a:schemeClr>
-            </a:solidFill>
-            <a:ln>
-              <a:solidFill>
-                <a:schemeClr val="bg1">
-                  <a:lumMod val="85000"/>
-                </a:schemeClr>
-              </a:solidFill>
-            </a:ln>
           </p:spPr>
           <p:style>
             <a:lnRef idx="2">
@@ -6026,234 +5724,2192 @@
             <a:lstStyle/>
             <a:p>
               <a:pPr algn="ctr"/>
-              <a:r>
-                <a:rPr lang="en-US" sz="1500" dirty="0" smtClean="0"/>
-                <a:t>Billing</a:t>
-              </a:r>
-              <a:endParaRPr lang="en-US" sz="1500" dirty="0"/>
+              <a:endParaRPr lang="en-US"/>
             </a:p>
           </p:txBody>
         </p:sp>
         <p:sp>
           <p:nvSpPr>
-            <p:cNvPr id="11" name="Rectangle 10"/>
+            <p:cNvPr id="31" name="TextBox 30"/>
+            <p:cNvSpPr txBox="1"/>
+            <p:nvPr/>
+          </p:nvSpPr>
+          <p:spPr>
+            <a:xfrm>
+              <a:off x="1720259" y="1009620"/>
+              <a:ext cx="883640" cy="400110"/>
+            </a:xfrm>
+            <a:prstGeom prst="rect">
+              <a:avLst/>
+            </a:prstGeom>
+            <a:noFill/>
+          </p:spPr>
+          <p:txBody>
+            <a:bodyPr wrap="none" rtlCol="0">
+              <a:spAutoFit/>
+            </a:bodyPr>
+            <a:lstStyle/>
+            <a:p>
+              <a:r>
+                <a:rPr lang="en-US" sz="2000" b="1" dirty="0" smtClean="0"/>
+                <a:t>AREA</a:t>
+              </a:r>
+              <a:r>
+                <a:rPr lang="en-US" sz="2000" b="1" dirty="0"/>
+                <a:t>S</a:t>
+              </a:r>
+            </a:p>
+          </p:txBody>
+        </p:sp>
+        <p:grpSp>
+          <p:nvGrpSpPr>
+            <p:cNvPr id="32" name="Group 31"/>
+            <p:cNvGrpSpPr/>
+            <p:nvPr/>
+          </p:nvGrpSpPr>
+          <p:grpSpPr>
+            <a:xfrm>
+              <a:off x="931449" y="1445774"/>
+              <a:ext cx="2598420" cy="1929886"/>
+              <a:chOff x="931449" y="1445774"/>
+              <a:chExt cx="2598420" cy="1929886"/>
+            </a:xfrm>
+          </p:grpSpPr>
+          <p:sp>
+            <p:nvSpPr>
+              <p:cNvPr id="33" name="Rectangle 32"/>
+              <p:cNvSpPr/>
+              <p:nvPr/>
+            </p:nvSpPr>
+            <p:spPr>
+              <a:xfrm>
+                <a:off x="931449" y="1445774"/>
+                <a:ext cx="2598420" cy="1929886"/>
+              </a:xfrm>
+              <a:prstGeom prst="rect">
+                <a:avLst/>
+              </a:prstGeom>
+              <a:ln w="3175"/>
+            </p:spPr>
+            <p:style>
+              <a:lnRef idx="2">
+                <a:schemeClr val="accent1"/>
+              </a:lnRef>
+              <a:fillRef idx="1">
+                <a:schemeClr val="lt1"/>
+              </a:fillRef>
+              <a:effectRef idx="0">
+                <a:schemeClr val="accent1"/>
+              </a:effectRef>
+              <a:fontRef idx="minor">
+                <a:schemeClr val="dk1"/>
+              </a:fontRef>
+            </p:style>
+            <p:txBody>
+              <a:bodyPr rtlCol="0" anchor="ctr"/>
+              <a:lstStyle/>
+              <a:p>
+                <a:pPr algn="ctr"/>
+                <a:endParaRPr lang="en-US"/>
+              </a:p>
+            </p:txBody>
+          </p:sp>
+          <p:sp>
+            <p:nvSpPr>
+              <p:cNvPr id="34" name="TextBox 33"/>
+              <p:cNvSpPr txBox="1"/>
+              <p:nvPr/>
+            </p:nvSpPr>
+            <p:spPr>
+              <a:xfrm>
+                <a:off x="1788519" y="1472284"/>
+                <a:ext cx="913840" cy="369332"/>
+              </a:xfrm>
+              <a:prstGeom prst="rect">
+                <a:avLst/>
+              </a:prstGeom>
+              <a:noFill/>
+            </p:spPr>
+            <p:txBody>
+              <a:bodyPr wrap="none" rtlCol="0">
+                <a:spAutoFit/>
+              </a:bodyPr>
+              <a:lstStyle/>
+              <a:p>
+                <a:r>
+                  <a:rPr lang="en-US" dirty="0" smtClean="0"/>
+                  <a:t>Sources</a:t>
+                </a:r>
+                <a:endParaRPr lang="en-US" dirty="0"/>
+              </a:p>
+            </p:txBody>
+          </p:sp>
+          <p:cxnSp>
+            <p:nvCxnSpPr>
+              <p:cNvPr id="35" name="Straight Connector 34"/>
+              <p:cNvCxnSpPr/>
+              <p:nvPr/>
+            </p:nvCxnSpPr>
+            <p:spPr>
+              <a:xfrm>
+                <a:off x="1750419" y="3215285"/>
+                <a:ext cx="913840" cy="0"/>
+              </a:xfrm>
+              <a:prstGeom prst="line">
+                <a:avLst/>
+              </a:prstGeom>
+              <a:ln>
+                <a:prstDash val="lgDash"/>
+              </a:ln>
+            </p:spPr>
+            <p:style>
+              <a:lnRef idx="1">
+                <a:schemeClr val="accent1"/>
+              </a:lnRef>
+              <a:fillRef idx="0">
+                <a:schemeClr val="accent1"/>
+              </a:fillRef>
+              <a:effectRef idx="0">
+                <a:schemeClr val="accent1"/>
+              </a:effectRef>
+              <a:fontRef idx="minor">
+                <a:schemeClr val="tx1"/>
+              </a:fontRef>
+            </p:style>
+          </p:cxnSp>
+          <p:grpSp>
+            <p:nvGrpSpPr>
+              <p:cNvPr id="36" name="Group 35"/>
+              <p:cNvGrpSpPr/>
+              <p:nvPr/>
+            </p:nvGrpSpPr>
+            <p:grpSpPr>
+              <a:xfrm>
+                <a:off x="1262675" y="1892900"/>
+                <a:ext cx="797143" cy="458327"/>
+                <a:chOff x="7656601" y="2063042"/>
+                <a:chExt cx="797143" cy="458327"/>
+              </a:xfrm>
+            </p:grpSpPr>
+            <p:sp>
+              <p:nvSpPr>
+                <p:cNvPr id="46" name="Flowchart: Magnetic Disk 45"/>
+                <p:cNvSpPr/>
+                <p:nvPr/>
+              </p:nvSpPr>
+              <p:spPr>
+                <a:xfrm>
+                  <a:off x="7656601" y="2063042"/>
+                  <a:ext cx="797143" cy="458327"/>
+                </a:xfrm>
+                <a:prstGeom prst="flowChartMagneticDisk">
+                  <a:avLst/>
+                </a:prstGeom>
+                <a:solidFill>
+                  <a:schemeClr val="bg1">
+                    <a:lumMod val="95000"/>
+                  </a:schemeClr>
+                </a:solidFill>
+                <a:ln w="3175">
+                  <a:solidFill>
+                    <a:schemeClr val="bg1">
+                      <a:lumMod val="85000"/>
+                    </a:schemeClr>
+                  </a:solidFill>
+                </a:ln>
+              </p:spPr>
+              <p:style>
+                <a:lnRef idx="2">
+                  <a:schemeClr val="dk1"/>
+                </a:lnRef>
+                <a:fillRef idx="1">
+                  <a:schemeClr val="lt1"/>
+                </a:fillRef>
+                <a:effectRef idx="0">
+                  <a:schemeClr val="dk1"/>
+                </a:effectRef>
+                <a:fontRef idx="minor">
+                  <a:schemeClr val="dk1"/>
+                </a:fontRef>
+              </p:style>
+              <p:txBody>
+                <a:bodyPr rtlCol="0" anchor="ctr"/>
+                <a:lstStyle/>
+                <a:p>
+                  <a:pPr algn="ctr"/>
+                  <a:endParaRPr lang="en-US" dirty="0"/>
+                </a:p>
+              </p:txBody>
+            </p:sp>
+            <p:sp>
+              <p:nvSpPr>
+                <p:cNvPr id="47" name="TextBox 46"/>
+                <p:cNvSpPr txBox="1"/>
+                <p:nvPr/>
+              </p:nvSpPr>
+              <p:spPr>
+                <a:xfrm>
+                  <a:off x="7755661" y="2195559"/>
+                  <a:ext cx="659155" cy="323165"/>
+                </a:xfrm>
+                <a:prstGeom prst="rect">
+                  <a:avLst/>
+                </a:prstGeom>
+                <a:noFill/>
+                <a:ln>
+                  <a:noFill/>
+                </a:ln>
+              </p:spPr>
+              <p:txBody>
+                <a:bodyPr wrap="none" rtlCol="0">
+                  <a:spAutoFit/>
+                </a:bodyPr>
+                <a:lstStyle/>
+                <a:p>
+                  <a:r>
+                    <a:rPr lang="en-US" sz="1500" dirty="0" smtClean="0">
+                      <a:solidFill>
+                        <a:schemeClr val="bg1">
+                          <a:lumMod val="50000"/>
+                        </a:schemeClr>
+                      </a:solidFill>
+                    </a:rPr>
+                    <a:t>Billing</a:t>
+                  </a:r>
+                  <a:endParaRPr lang="en-US" sz="1500" dirty="0">
+                    <a:solidFill>
+                      <a:schemeClr val="bg1">
+                        <a:lumMod val="50000"/>
+                      </a:schemeClr>
+                    </a:solidFill>
+                  </a:endParaRPr>
+                </a:p>
+              </p:txBody>
+            </p:sp>
+          </p:grpSp>
+          <p:grpSp>
+            <p:nvGrpSpPr>
+              <p:cNvPr id="37" name="Group 36"/>
+              <p:cNvGrpSpPr/>
+              <p:nvPr/>
+            </p:nvGrpSpPr>
+            <p:grpSpPr>
+              <a:xfrm>
+                <a:off x="2347506" y="1904085"/>
+                <a:ext cx="797477" cy="458327"/>
+                <a:chOff x="7656601" y="2063042"/>
+                <a:chExt cx="797477" cy="458327"/>
+              </a:xfrm>
+            </p:grpSpPr>
+            <p:sp>
+              <p:nvSpPr>
+                <p:cNvPr id="44" name="Flowchart: Magnetic Disk 43"/>
+                <p:cNvSpPr/>
+                <p:nvPr/>
+              </p:nvSpPr>
+              <p:spPr>
+                <a:xfrm>
+                  <a:off x="7656601" y="2063042"/>
+                  <a:ext cx="797143" cy="458327"/>
+                </a:xfrm>
+                <a:prstGeom prst="flowChartMagneticDisk">
+                  <a:avLst/>
+                </a:prstGeom>
+                <a:solidFill>
+                  <a:schemeClr val="bg1">
+                    <a:lumMod val="95000"/>
+                  </a:schemeClr>
+                </a:solidFill>
+                <a:ln w="3175">
+                  <a:solidFill>
+                    <a:schemeClr val="bg1">
+                      <a:lumMod val="85000"/>
+                    </a:schemeClr>
+                  </a:solidFill>
+                </a:ln>
+              </p:spPr>
+              <p:style>
+                <a:lnRef idx="2">
+                  <a:schemeClr val="dk1"/>
+                </a:lnRef>
+                <a:fillRef idx="1">
+                  <a:schemeClr val="lt1"/>
+                </a:fillRef>
+                <a:effectRef idx="0">
+                  <a:schemeClr val="dk1"/>
+                </a:effectRef>
+                <a:fontRef idx="minor">
+                  <a:schemeClr val="dk1"/>
+                </a:fontRef>
+              </p:style>
+              <p:txBody>
+                <a:bodyPr rtlCol="0" anchor="ctr"/>
+                <a:lstStyle/>
+                <a:p>
+                  <a:pPr algn="ctr"/>
+                  <a:endParaRPr lang="en-US" dirty="0"/>
+                </a:p>
+              </p:txBody>
+            </p:sp>
+            <p:sp>
+              <p:nvSpPr>
+                <p:cNvPr id="45" name="TextBox 44"/>
+                <p:cNvSpPr txBox="1"/>
+                <p:nvPr/>
+              </p:nvSpPr>
+              <p:spPr>
+                <a:xfrm>
+                  <a:off x="7740421" y="2195559"/>
+                  <a:ext cx="713657" cy="323165"/>
+                </a:xfrm>
+                <a:prstGeom prst="rect">
+                  <a:avLst/>
+                </a:prstGeom>
+                <a:noFill/>
+                <a:ln>
+                  <a:noFill/>
+                </a:ln>
+              </p:spPr>
+              <p:txBody>
+                <a:bodyPr wrap="none" rtlCol="0">
+                  <a:spAutoFit/>
+                </a:bodyPr>
+                <a:lstStyle/>
+                <a:p>
+                  <a:r>
+                    <a:rPr lang="en-US" sz="1500" dirty="0" smtClean="0">
+                      <a:solidFill>
+                        <a:schemeClr val="bg1">
+                          <a:lumMod val="50000"/>
+                        </a:schemeClr>
+                      </a:solidFill>
+                    </a:rPr>
+                    <a:t>Pricing</a:t>
+                  </a:r>
+                  <a:endParaRPr lang="en-US" sz="1500" dirty="0">
+                    <a:solidFill>
+                      <a:schemeClr val="bg1">
+                        <a:lumMod val="50000"/>
+                      </a:schemeClr>
+                    </a:solidFill>
+                  </a:endParaRPr>
+                </a:p>
+              </p:txBody>
+            </p:sp>
+          </p:grpSp>
+          <p:grpSp>
+            <p:nvGrpSpPr>
+              <p:cNvPr id="38" name="Group 37"/>
+              <p:cNvGrpSpPr/>
+              <p:nvPr/>
+            </p:nvGrpSpPr>
+            <p:grpSpPr>
+              <a:xfrm>
+                <a:off x="1223747" y="2542898"/>
+                <a:ext cx="797143" cy="458327"/>
+                <a:chOff x="7656601" y="2063042"/>
+                <a:chExt cx="797143" cy="458327"/>
+              </a:xfrm>
+            </p:grpSpPr>
+            <p:sp>
+              <p:nvSpPr>
+                <p:cNvPr id="42" name="Flowchart: Magnetic Disk 41"/>
+                <p:cNvSpPr/>
+                <p:nvPr/>
+              </p:nvSpPr>
+              <p:spPr>
+                <a:xfrm>
+                  <a:off x="7656601" y="2063042"/>
+                  <a:ext cx="797143" cy="458327"/>
+                </a:xfrm>
+                <a:prstGeom prst="flowChartMagneticDisk">
+                  <a:avLst/>
+                </a:prstGeom>
+                <a:solidFill>
+                  <a:schemeClr val="bg1">
+                    <a:lumMod val="95000"/>
+                  </a:schemeClr>
+                </a:solidFill>
+                <a:ln w="3175">
+                  <a:solidFill>
+                    <a:schemeClr val="bg1">
+                      <a:lumMod val="85000"/>
+                    </a:schemeClr>
+                  </a:solidFill>
+                </a:ln>
+              </p:spPr>
+              <p:style>
+                <a:lnRef idx="2">
+                  <a:schemeClr val="dk1"/>
+                </a:lnRef>
+                <a:fillRef idx="1">
+                  <a:schemeClr val="lt1"/>
+                </a:fillRef>
+                <a:effectRef idx="0">
+                  <a:schemeClr val="dk1"/>
+                </a:effectRef>
+                <a:fontRef idx="minor">
+                  <a:schemeClr val="dk1"/>
+                </a:fontRef>
+              </p:style>
+              <p:txBody>
+                <a:bodyPr rtlCol="0" anchor="ctr"/>
+                <a:lstStyle/>
+                <a:p>
+                  <a:pPr algn="ctr"/>
+                  <a:endParaRPr lang="en-US" dirty="0"/>
+                </a:p>
+              </p:txBody>
+            </p:sp>
+            <p:sp>
+              <p:nvSpPr>
+                <p:cNvPr id="43" name="TextBox 42"/>
+                <p:cNvSpPr txBox="1"/>
+                <p:nvPr/>
+              </p:nvSpPr>
+              <p:spPr>
+                <a:xfrm>
+                  <a:off x="7793761" y="2195559"/>
+                  <a:ext cx="556563" cy="323165"/>
+                </a:xfrm>
+                <a:prstGeom prst="rect">
+                  <a:avLst/>
+                </a:prstGeom>
+                <a:noFill/>
+                <a:ln>
+                  <a:noFill/>
+                </a:ln>
+              </p:spPr>
+              <p:txBody>
+                <a:bodyPr wrap="none" rtlCol="0">
+                  <a:spAutoFit/>
+                </a:bodyPr>
+                <a:lstStyle/>
+                <a:p>
+                  <a:r>
+                    <a:rPr lang="en-US" sz="1500" dirty="0" smtClean="0">
+                      <a:solidFill>
+                        <a:schemeClr val="bg1">
+                          <a:lumMod val="50000"/>
+                        </a:schemeClr>
+                      </a:solidFill>
+                    </a:rPr>
+                    <a:t>CRM</a:t>
+                  </a:r>
+                  <a:endParaRPr lang="en-US" sz="1500" dirty="0">
+                    <a:solidFill>
+                      <a:schemeClr val="bg1">
+                        <a:lumMod val="50000"/>
+                      </a:schemeClr>
+                    </a:solidFill>
+                  </a:endParaRPr>
+                </a:p>
+              </p:txBody>
+            </p:sp>
+          </p:grpSp>
+          <p:grpSp>
+            <p:nvGrpSpPr>
+              <p:cNvPr id="39" name="Group 38"/>
+              <p:cNvGrpSpPr/>
+              <p:nvPr/>
+            </p:nvGrpSpPr>
+            <p:grpSpPr>
+              <a:xfrm>
+                <a:off x="2253578" y="2538923"/>
+                <a:ext cx="985334" cy="458327"/>
+                <a:chOff x="7633741" y="2063042"/>
+                <a:chExt cx="985334" cy="458327"/>
+              </a:xfrm>
+            </p:grpSpPr>
+            <p:sp>
+              <p:nvSpPr>
+                <p:cNvPr id="40" name="Flowchart: Magnetic Disk 39"/>
+                <p:cNvSpPr/>
+                <p:nvPr/>
+              </p:nvSpPr>
+              <p:spPr>
+                <a:xfrm>
+                  <a:off x="7656601" y="2063042"/>
+                  <a:ext cx="921649" cy="458327"/>
+                </a:xfrm>
+                <a:prstGeom prst="flowChartMagneticDisk">
+                  <a:avLst/>
+                </a:prstGeom>
+                <a:solidFill>
+                  <a:schemeClr val="bg1">
+                    <a:lumMod val="95000"/>
+                  </a:schemeClr>
+                </a:solidFill>
+                <a:ln w="3175">
+                  <a:solidFill>
+                    <a:schemeClr val="bg1">
+                      <a:lumMod val="85000"/>
+                    </a:schemeClr>
+                  </a:solidFill>
+                </a:ln>
+              </p:spPr>
+              <p:style>
+                <a:lnRef idx="2">
+                  <a:schemeClr val="dk1"/>
+                </a:lnRef>
+                <a:fillRef idx="1">
+                  <a:schemeClr val="lt1"/>
+                </a:fillRef>
+                <a:effectRef idx="0">
+                  <a:schemeClr val="dk1"/>
+                </a:effectRef>
+                <a:fontRef idx="minor">
+                  <a:schemeClr val="dk1"/>
+                </a:fontRef>
+              </p:style>
+              <p:txBody>
+                <a:bodyPr rtlCol="0" anchor="ctr"/>
+                <a:lstStyle/>
+                <a:p>
+                  <a:pPr algn="ctr"/>
+                  <a:endParaRPr lang="en-US" dirty="0"/>
+                </a:p>
+              </p:txBody>
+            </p:sp>
+            <p:sp>
+              <p:nvSpPr>
+                <p:cNvPr id="41" name="TextBox 40"/>
+                <p:cNvSpPr txBox="1"/>
+                <p:nvPr/>
+              </p:nvSpPr>
+              <p:spPr>
+                <a:xfrm>
+                  <a:off x="7633741" y="2187939"/>
+                  <a:ext cx="985334" cy="323165"/>
+                </a:xfrm>
+                <a:prstGeom prst="rect">
+                  <a:avLst/>
+                </a:prstGeom>
+                <a:noFill/>
+                <a:ln>
+                  <a:noFill/>
+                </a:ln>
+              </p:spPr>
+              <p:txBody>
+                <a:bodyPr wrap="none" rtlCol="0">
+                  <a:spAutoFit/>
+                </a:bodyPr>
+                <a:lstStyle/>
+                <a:p>
+                  <a:r>
+                    <a:rPr lang="en-US" sz="1500" dirty="0" smtClean="0">
+                      <a:solidFill>
+                        <a:schemeClr val="bg1">
+                          <a:lumMod val="50000"/>
+                        </a:schemeClr>
+                      </a:solidFill>
+                    </a:rPr>
+                    <a:t>Marketing</a:t>
+                  </a:r>
+                  <a:endParaRPr lang="en-US" sz="1500" dirty="0">
+                    <a:solidFill>
+                      <a:schemeClr val="bg1">
+                        <a:lumMod val="50000"/>
+                      </a:schemeClr>
+                    </a:solidFill>
+                  </a:endParaRPr>
+                </a:p>
+              </p:txBody>
+            </p:sp>
+          </p:grpSp>
+        </p:grpSp>
+      </p:grpSp>
+      <p:cxnSp>
+        <p:nvCxnSpPr>
+          <p:cNvPr id="48" name="Straight Arrow Connector 47"/>
+          <p:cNvCxnSpPr>
+            <a:stCxn id="33" idx="3"/>
+            <a:endCxn id="5" idx="1"/>
+          </p:cNvCxnSpPr>
+          <p:nvPr/>
+        </p:nvCxnSpPr>
+        <p:spPr>
+          <a:xfrm>
+            <a:off x="2957502" y="1944516"/>
+            <a:ext cx="777419" cy="2776022"/>
+          </a:xfrm>
+          <a:prstGeom prst="straightConnector1">
+            <a:avLst/>
+          </a:prstGeom>
+          <a:ln w="6350">
+            <a:solidFill>
+              <a:schemeClr val="tx1"/>
+            </a:solidFill>
+            <a:tailEnd type="triangle"/>
+          </a:ln>
+        </p:spPr>
+        <p:style>
+          <a:lnRef idx="1">
+            <a:schemeClr val="accent1"/>
+          </a:lnRef>
+          <a:fillRef idx="0">
+            <a:schemeClr val="accent1"/>
+          </a:fillRef>
+          <a:effectRef idx="0">
+            <a:schemeClr val="accent1"/>
+          </a:effectRef>
+          <a:fontRef idx="minor">
+            <a:schemeClr val="tx1"/>
+          </a:fontRef>
+        </p:style>
+      </p:cxnSp>
+      <p:cxnSp>
+        <p:nvCxnSpPr>
+          <p:cNvPr id="49" name="Straight Arrow Connector 48"/>
+          <p:cNvCxnSpPr/>
+          <p:nvPr/>
+        </p:nvCxnSpPr>
+        <p:spPr>
+          <a:xfrm>
+            <a:off x="7413808" y="2161577"/>
+            <a:ext cx="988528" cy="0"/>
+          </a:xfrm>
+          <a:prstGeom prst="straightConnector1">
+            <a:avLst/>
+          </a:prstGeom>
+          <a:ln>
+            <a:solidFill>
+              <a:schemeClr val="tx1"/>
+            </a:solidFill>
+            <a:tailEnd type="triangle"/>
+          </a:ln>
+        </p:spPr>
+        <p:style>
+          <a:lnRef idx="1">
+            <a:schemeClr val="accent1"/>
+          </a:lnRef>
+          <a:fillRef idx="0">
+            <a:schemeClr val="accent1"/>
+          </a:fillRef>
+          <a:effectRef idx="0">
+            <a:schemeClr val="accent1"/>
+          </a:effectRef>
+          <a:fontRef idx="minor">
+            <a:schemeClr val="tx1"/>
+          </a:fontRef>
+        </p:style>
+      </p:cxnSp>
+      <p:cxnSp>
+        <p:nvCxnSpPr>
+          <p:cNvPr id="50" name="Straight Connector 49"/>
+          <p:cNvCxnSpPr/>
+          <p:nvPr/>
+        </p:nvCxnSpPr>
+        <p:spPr>
+          <a:xfrm>
+            <a:off x="6809556" y="2838674"/>
+            <a:ext cx="913840" cy="0"/>
+          </a:xfrm>
+          <a:prstGeom prst="line">
+            <a:avLst/>
+          </a:prstGeom>
+          <a:ln>
+            <a:prstDash val="lgDash"/>
+          </a:ln>
+        </p:spPr>
+        <p:style>
+          <a:lnRef idx="1">
+            <a:schemeClr val="accent1"/>
+          </a:lnRef>
+          <a:fillRef idx="0">
+            <a:schemeClr val="accent1"/>
+          </a:fillRef>
+          <a:effectRef idx="0">
+            <a:schemeClr val="accent1"/>
+          </a:effectRef>
+          <a:fontRef idx="minor">
+            <a:schemeClr val="tx1"/>
+          </a:fontRef>
+        </p:style>
+      </p:cxnSp>
+      <p:grpSp>
+        <p:nvGrpSpPr>
+          <p:cNvPr id="80" name="Group 79"/>
+          <p:cNvGrpSpPr/>
+          <p:nvPr/>
+        </p:nvGrpSpPr>
+        <p:grpSpPr>
+          <a:xfrm>
+            <a:off x="6214496" y="510943"/>
+            <a:ext cx="3048000" cy="6113792"/>
+            <a:chOff x="6980231" y="696875"/>
+            <a:chExt cx="3048000" cy="6113792"/>
+          </a:xfrm>
+        </p:grpSpPr>
+        <p:grpSp>
+          <p:nvGrpSpPr>
+            <p:cNvPr id="81" name="Group 80"/>
+            <p:cNvGrpSpPr/>
+            <p:nvPr/>
+          </p:nvGrpSpPr>
+          <p:grpSpPr>
+            <a:xfrm>
+              <a:off x="6980231" y="696875"/>
+              <a:ext cx="3048000" cy="6113792"/>
+              <a:chOff x="7803191" y="1282861"/>
+              <a:chExt cx="3048000" cy="6113792"/>
+            </a:xfrm>
+          </p:grpSpPr>
+          <p:sp>
+            <p:nvSpPr>
+              <p:cNvPr id="96" name="Rectangle 95"/>
+              <p:cNvSpPr/>
+              <p:nvPr/>
+            </p:nvSpPr>
+            <p:spPr>
+              <a:xfrm>
+                <a:off x="7803191" y="1282861"/>
+                <a:ext cx="3048000" cy="6113792"/>
+              </a:xfrm>
+              <a:prstGeom prst="rect">
+                <a:avLst/>
+              </a:prstGeom>
+            </p:spPr>
+            <p:style>
+              <a:lnRef idx="2">
+                <a:schemeClr val="accent2"/>
+              </a:lnRef>
+              <a:fillRef idx="1">
+                <a:schemeClr val="lt1"/>
+              </a:fillRef>
+              <a:effectRef idx="0">
+                <a:schemeClr val="accent2"/>
+              </a:effectRef>
+              <a:fontRef idx="minor">
+                <a:schemeClr val="dk1"/>
+              </a:fontRef>
+            </p:style>
+            <p:txBody>
+              <a:bodyPr rtlCol="0" anchor="ctr"/>
+              <a:lstStyle/>
+              <a:p>
+                <a:pPr algn="ctr"/>
+                <a:endParaRPr lang="en-US"/>
+              </a:p>
+            </p:txBody>
+          </p:sp>
+          <p:pic>
+            <p:nvPicPr>
+              <p:cNvPr id="97" name="Picture 96"/>
+              <p:cNvPicPr>
+                <a:picLocks noChangeAspect="1"/>
+              </p:cNvPicPr>
+              <p:nvPr/>
+            </p:nvPicPr>
+            <p:blipFill rotWithShape="1">
+              <a:blip r:embed="rId3" cstate="print">
+                <a:extLst>
+                  <a:ext uri="{28A0092B-C50C-407E-A947-70E740481C1C}">
+                    <a14:useLocalDpi xmlns:a14="http://schemas.microsoft.com/office/drawing/2010/main" val="0"/>
+                  </a:ext>
+                </a:extLst>
+              </a:blip>
+              <a:srcRect l="19614" t="24134" r="24789" b="35333"/>
+              <a:stretch/>
+            </p:blipFill>
+            <p:spPr>
+              <a:xfrm>
+                <a:off x="9795791" y="1938269"/>
+                <a:ext cx="765811" cy="285564"/>
+              </a:xfrm>
+              <a:prstGeom prst="rect">
+                <a:avLst/>
+              </a:prstGeom>
+            </p:spPr>
+          </p:pic>
+          <p:pic>
+            <p:nvPicPr>
+              <p:cNvPr id="98" name="Picture 97"/>
+              <p:cNvPicPr>
+                <a:picLocks noChangeAspect="1"/>
+              </p:cNvPicPr>
+              <p:nvPr/>
+            </p:nvPicPr>
+            <p:blipFill>
+              <a:blip r:embed="rId4" cstate="print">
+                <a:extLst>
+                  <a:ext uri="{28A0092B-C50C-407E-A947-70E740481C1C}">
+                    <a14:useLocalDpi xmlns:a14="http://schemas.microsoft.com/office/drawing/2010/main" val="0"/>
+                  </a:ext>
+                </a:extLst>
+              </a:blip>
+              <a:stretch>
+                <a:fillRect/>
+              </a:stretch>
+            </p:blipFill>
+            <p:spPr>
+              <a:xfrm>
+                <a:off x="9244709" y="1749851"/>
+                <a:ext cx="362078" cy="325870"/>
+              </a:xfrm>
+              <a:prstGeom prst="rect">
+                <a:avLst/>
+              </a:prstGeom>
+            </p:spPr>
+          </p:pic>
+          <p:pic>
+            <p:nvPicPr>
+              <p:cNvPr id="99" name="Picture 98"/>
+              <p:cNvPicPr>
+                <a:picLocks noChangeAspect="1"/>
+              </p:cNvPicPr>
+              <p:nvPr/>
+            </p:nvPicPr>
+            <p:blipFill>
+              <a:blip r:embed="rId5" cstate="print">
+                <a:extLst>
+                  <a:ext uri="{28A0092B-C50C-407E-A947-70E740481C1C}">
+                    <a14:useLocalDpi xmlns:a14="http://schemas.microsoft.com/office/drawing/2010/main" val="0"/>
+                  </a:ext>
+                </a:extLst>
+              </a:blip>
+              <a:stretch>
+                <a:fillRect/>
+              </a:stretch>
+            </p:blipFill>
+            <p:spPr>
+              <a:xfrm>
+                <a:off x="8118837" y="1856168"/>
+                <a:ext cx="706208" cy="367665"/>
+              </a:xfrm>
+              <a:prstGeom prst="rect">
+                <a:avLst/>
+              </a:prstGeom>
+            </p:spPr>
+          </p:pic>
+          <p:pic>
+            <p:nvPicPr>
+              <p:cNvPr id="100" name="Picture 99"/>
+              <p:cNvPicPr>
+                <a:picLocks noChangeAspect="1"/>
+              </p:cNvPicPr>
+              <p:nvPr/>
+            </p:nvPicPr>
+            <p:blipFill rotWithShape="1">
+              <a:blip r:embed="rId6" cstate="print">
+                <a:extLst>
+                  <a:ext uri="{28A0092B-C50C-407E-A947-70E740481C1C}">
+                    <a14:useLocalDpi xmlns:a14="http://schemas.microsoft.com/office/drawing/2010/main" val="0"/>
+                  </a:ext>
+                </a:extLst>
+              </a:blip>
+              <a:srcRect l="3975" t="23066" r="54325" b="26642"/>
+              <a:stretch/>
+            </p:blipFill>
+            <p:spPr>
+              <a:xfrm>
+                <a:off x="8671082" y="1399519"/>
+                <a:ext cx="1509331" cy="257890"/>
+              </a:xfrm>
+              <a:prstGeom prst="rect">
+                <a:avLst/>
+              </a:prstGeom>
+            </p:spPr>
+          </p:pic>
+        </p:grpSp>
+        <p:grpSp>
+          <p:nvGrpSpPr>
+            <p:cNvPr id="82" name="Group 81"/>
+            <p:cNvGrpSpPr/>
+            <p:nvPr/>
+          </p:nvGrpSpPr>
+          <p:grpSpPr>
+            <a:xfrm>
+              <a:off x="7157312" y="1865552"/>
+              <a:ext cx="2693837" cy="1574549"/>
+              <a:chOff x="7157312" y="1736012"/>
+              <a:chExt cx="2693837" cy="1574549"/>
+            </a:xfrm>
+          </p:grpSpPr>
+          <p:sp>
+            <p:nvSpPr>
+              <p:cNvPr id="83" name="Rectangle 82"/>
+              <p:cNvSpPr/>
+              <p:nvPr/>
+            </p:nvSpPr>
+            <p:spPr>
+              <a:xfrm>
+                <a:off x="7157312" y="1736012"/>
+                <a:ext cx="2693837" cy="1574549"/>
+              </a:xfrm>
+              <a:prstGeom prst="rect">
+                <a:avLst/>
+              </a:prstGeom>
+              <a:ln w="3175"/>
+            </p:spPr>
+            <p:style>
+              <a:lnRef idx="2">
+                <a:schemeClr val="dk1"/>
+              </a:lnRef>
+              <a:fillRef idx="1">
+                <a:schemeClr val="lt1"/>
+              </a:fillRef>
+              <a:effectRef idx="0">
+                <a:schemeClr val="dk1"/>
+              </a:effectRef>
+              <a:fontRef idx="minor">
+                <a:schemeClr val="dk1"/>
+              </a:fontRef>
+            </p:style>
+            <p:txBody>
+              <a:bodyPr rtlCol="0" anchor="ctr"/>
+              <a:lstStyle/>
+              <a:p>
+                <a:pPr algn="ctr"/>
+                <a:endParaRPr lang="en-US"/>
+              </a:p>
+            </p:txBody>
+          </p:sp>
+          <p:grpSp>
+            <p:nvGrpSpPr>
+              <p:cNvPr id="84" name="Group 83"/>
+              <p:cNvGrpSpPr/>
+              <p:nvPr/>
+            </p:nvGrpSpPr>
+            <p:grpSpPr>
+              <a:xfrm>
+                <a:off x="7472975" y="1881203"/>
+                <a:ext cx="797143" cy="458327"/>
+                <a:chOff x="7656601" y="2063042"/>
+                <a:chExt cx="797143" cy="458327"/>
+              </a:xfrm>
+            </p:grpSpPr>
+            <p:sp>
+              <p:nvSpPr>
+                <p:cNvPr id="94" name="Flowchart: Magnetic Disk 93"/>
+                <p:cNvSpPr/>
+                <p:nvPr/>
+              </p:nvSpPr>
+              <p:spPr>
+                <a:xfrm>
+                  <a:off x="7656601" y="2063042"/>
+                  <a:ext cx="797143" cy="458327"/>
+                </a:xfrm>
+                <a:prstGeom prst="flowChartMagneticDisk">
+                  <a:avLst/>
+                </a:prstGeom>
+                <a:solidFill>
+                  <a:schemeClr val="bg1">
+                    <a:lumMod val="95000"/>
+                  </a:schemeClr>
+                </a:solidFill>
+                <a:ln w="3175">
+                  <a:solidFill>
+                    <a:schemeClr val="bg1">
+                      <a:lumMod val="85000"/>
+                    </a:schemeClr>
+                  </a:solidFill>
+                </a:ln>
+              </p:spPr>
+              <p:style>
+                <a:lnRef idx="2">
+                  <a:schemeClr val="dk1"/>
+                </a:lnRef>
+                <a:fillRef idx="1">
+                  <a:schemeClr val="lt1"/>
+                </a:fillRef>
+                <a:effectRef idx="0">
+                  <a:schemeClr val="dk1"/>
+                </a:effectRef>
+                <a:fontRef idx="minor">
+                  <a:schemeClr val="dk1"/>
+                </a:fontRef>
+              </p:style>
+              <p:txBody>
+                <a:bodyPr rtlCol="0" anchor="ctr"/>
+                <a:lstStyle/>
+                <a:p>
+                  <a:pPr algn="ctr"/>
+                  <a:endParaRPr lang="en-US" dirty="0"/>
+                </a:p>
+              </p:txBody>
+            </p:sp>
+            <p:sp>
+              <p:nvSpPr>
+                <p:cNvPr id="95" name="TextBox 94"/>
+                <p:cNvSpPr txBox="1"/>
+                <p:nvPr/>
+              </p:nvSpPr>
+              <p:spPr>
+                <a:xfrm>
+                  <a:off x="7755661" y="2195559"/>
+                  <a:ext cx="659155" cy="323165"/>
+                </a:xfrm>
+                <a:prstGeom prst="rect">
+                  <a:avLst/>
+                </a:prstGeom>
+                <a:noFill/>
+                <a:ln>
+                  <a:noFill/>
+                </a:ln>
+              </p:spPr>
+              <p:txBody>
+                <a:bodyPr wrap="none" rtlCol="0">
+                  <a:spAutoFit/>
+                </a:bodyPr>
+                <a:lstStyle/>
+                <a:p>
+                  <a:r>
+                    <a:rPr lang="en-US" sz="1500" dirty="0" smtClean="0">
+                      <a:solidFill>
+                        <a:schemeClr val="bg1">
+                          <a:lumMod val="50000"/>
+                        </a:schemeClr>
+                      </a:solidFill>
+                    </a:rPr>
+                    <a:t>Billing</a:t>
+                  </a:r>
+                  <a:endParaRPr lang="en-US" sz="1500" dirty="0">
+                    <a:solidFill>
+                      <a:schemeClr val="bg1">
+                        <a:lumMod val="50000"/>
+                      </a:schemeClr>
+                    </a:solidFill>
+                  </a:endParaRPr>
+                </a:p>
+              </p:txBody>
+            </p:sp>
+          </p:grpSp>
+          <p:grpSp>
+            <p:nvGrpSpPr>
+              <p:cNvPr id="85" name="Group 84"/>
+              <p:cNvGrpSpPr/>
+              <p:nvPr/>
+            </p:nvGrpSpPr>
+            <p:grpSpPr>
+              <a:xfrm>
+                <a:off x="8664472" y="1878558"/>
+                <a:ext cx="797477" cy="458327"/>
+                <a:chOff x="7656601" y="2063042"/>
+                <a:chExt cx="797477" cy="458327"/>
+              </a:xfrm>
+            </p:grpSpPr>
+            <p:sp>
+              <p:nvSpPr>
+                <p:cNvPr id="92" name="Flowchart: Magnetic Disk 91"/>
+                <p:cNvSpPr/>
+                <p:nvPr/>
+              </p:nvSpPr>
+              <p:spPr>
+                <a:xfrm>
+                  <a:off x="7656601" y="2063042"/>
+                  <a:ext cx="797143" cy="458327"/>
+                </a:xfrm>
+                <a:prstGeom prst="flowChartMagneticDisk">
+                  <a:avLst/>
+                </a:prstGeom>
+                <a:solidFill>
+                  <a:schemeClr val="bg1">
+                    <a:lumMod val="95000"/>
+                  </a:schemeClr>
+                </a:solidFill>
+                <a:ln w="3175">
+                  <a:solidFill>
+                    <a:schemeClr val="bg1">
+                      <a:lumMod val="85000"/>
+                    </a:schemeClr>
+                  </a:solidFill>
+                </a:ln>
+              </p:spPr>
+              <p:style>
+                <a:lnRef idx="2">
+                  <a:schemeClr val="dk1"/>
+                </a:lnRef>
+                <a:fillRef idx="1">
+                  <a:schemeClr val="lt1"/>
+                </a:fillRef>
+                <a:effectRef idx="0">
+                  <a:schemeClr val="dk1"/>
+                </a:effectRef>
+                <a:fontRef idx="minor">
+                  <a:schemeClr val="dk1"/>
+                </a:fontRef>
+              </p:style>
+              <p:txBody>
+                <a:bodyPr rtlCol="0" anchor="ctr"/>
+                <a:lstStyle/>
+                <a:p>
+                  <a:pPr algn="ctr"/>
+                  <a:endParaRPr lang="en-US" dirty="0"/>
+                </a:p>
+              </p:txBody>
+            </p:sp>
+            <p:sp>
+              <p:nvSpPr>
+                <p:cNvPr id="93" name="TextBox 92"/>
+                <p:cNvSpPr txBox="1"/>
+                <p:nvPr/>
+              </p:nvSpPr>
+              <p:spPr>
+                <a:xfrm>
+                  <a:off x="7740421" y="2195559"/>
+                  <a:ext cx="713657" cy="323165"/>
+                </a:xfrm>
+                <a:prstGeom prst="rect">
+                  <a:avLst/>
+                </a:prstGeom>
+                <a:noFill/>
+                <a:ln>
+                  <a:noFill/>
+                </a:ln>
+              </p:spPr>
+              <p:txBody>
+                <a:bodyPr wrap="none" rtlCol="0">
+                  <a:spAutoFit/>
+                </a:bodyPr>
+                <a:lstStyle/>
+                <a:p>
+                  <a:r>
+                    <a:rPr lang="en-US" sz="1500" dirty="0" smtClean="0">
+                      <a:solidFill>
+                        <a:schemeClr val="bg1">
+                          <a:lumMod val="50000"/>
+                        </a:schemeClr>
+                      </a:solidFill>
+                    </a:rPr>
+                    <a:t>Pricing</a:t>
+                  </a:r>
+                  <a:endParaRPr lang="en-US" sz="1500" dirty="0">
+                    <a:solidFill>
+                      <a:schemeClr val="bg1">
+                        <a:lumMod val="50000"/>
+                      </a:schemeClr>
+                    </a:solidFill>
+                  </a:endParaRPr>
+                </a:p>
+              </p:txBody>
+            </p:sp>
+          </p:grpSp>
+          <p:grpSp>
+            <p:nvGrpSpPr>
+              <p:cNvPr id="86" name="Group 85"/>
+              <p:cNvGrpSpPr/>
+              <p:nvPr/>
+            </p:nvGrpSpPr>
+            <p:grpSpPr>
+              <a:xfrm>
+                <a:off x="7488214" y="2548671"/>
+                <a:ext cx="797143" cy="458327"/>
+                <a:chOff x="7656601" y="2063042"/>
+                <a:chExt cx="797143" cy="458327"/>
+              </a:xfrm>
+            </p:grpSpPr>
+            <p:sp>
+              <p:nvSpPr>
+                <p:cNvPr id="90" name="Flowchart: Magnetic Disk 89"/>
+                <p:cNvSpPr/>
+                <p:nvPr/>
+              </p:nvSpPr>
+              <p:spPr>
+                <a:xfrm>
+                  <a:off x="7656601" y="2063042"/>
+                  <a:ext cx="797143" cy="458327"/>
+                </a:xfrm>
+                <a:prstGeom prst="flowChartMagneticDisk">
+                  <a:avLst/>
+                </a:prstGeom>
+                <a:solidFill>
+                  <a:schemeClr val="bg1">
+                    <a:lumMod val="95000"/>
+                  </a:schemeClr>
+                </a:solidFill>
+                <a:ln w="3175">
+                  <a:solidFill>
+                    <a:schemeClr val="bg1">
+                      <a:lumMod val="85000"/>
+                    </a:schemeClr>
+                  </a:solidFill>
+                </a:ln>
+              </p:spPr>
+              <p:style>
+                <a:lnRef idx="2">
+                  <a:schemeClr val="dk1"/>
+                </a:lnRef>
+                <a:fillRef idx="1">
+                  <a:schemeClr val="lt1"/>
+                </a:fillRef>
+                <a:effectRef idx="0">
+                  <a:schemeClr val="dk1"/>
+                </a:effectRef>
+                <a:fontRef idx="minor">
+                  <a:schemeClr val="dk1"/>
+                </a:fontRef>
+              </p:style>
+              <p:txBody>
+                <a:bodyPr rtlCol="0" anchor="ctr"/>
+                <a:lstStyle/>
+                <a:p>
+                  <a:pPr algn="ctr"/>
+                  <a:endParaRPr lang="en-US" dirty="0"/>
+                </a:p>
+              </p:txBody>
+            </p:sp>
+            <p:sp>
+              <p:nvSpPr>
+                <p:cNvPr id="91" name="TextBox 90"/>
+                <p:cNvSpPr txBox="1"/>
+                <p:nvPr/>
+              </p:nvSpPr>
+              <p:spPr>
+                <a:xfrm>
+                  <a:off x="7793761" y="2195559"/>
+                  <a:ext cx="556563" cy="323165"/>
+                </a:xfrm>
+                <a:prstGeom prst="rect">
+                  <a:avLst/>
+                </a:prstGeom>
+                <a:noFill/>
+                <a:ln>
+                  <a:noFill/>
+                </a:ln>
+              </p:spPr>
+              <p:txBody>
+                <a:bodyPr wrap="none" rtlCol="0">
+                  <a:spAutoFit/>
+                </a:bodyPr>
+                <a:lstStyle/>
+                <a:p>
+                  <a:r>
+                    <a:rPr lang="en-US" sz="1500" dirty="0" smtClean="0">
+                      <a:solidFill>
+                        <a:schemeClr val="bg1">
+                          <a:lumMod val="50000"/>
+                        </a:schemeClr>
+                      </a:solidFill>
+                    </a:rPr>
+                    <a:t>CRM</a:t>
+                  </a:r>
+                  <a:endParaRPr lang="en-US" sz="1500" dirty="0">
+                    <a:solidFill>
+                      <a:schemeClr val="bg1">
+                        <a:lumMod val="50000"/>
+                      </a:schemeClr>
+                    </a:solidFill>
+                  </a:endParaRPr>
+                </a:p>
+              </p:txBody>
+            </p:sp>
+          </p:grpSp>
+          <p:grpSp>
+            <p:nvGrpSpPr>
+              <p:cNvPr id="87" name="Group 86"/>
+              <p:cNvGrpSpPr/>
+              <p:nvPr/>
+            </p:nvGrpSpPr>
+            <p:grpSpPr>
+              <a:xfrm>
+                <a:off x="8560628" y="2548671"/>
+                <a:ext cx="985334" cy="458327"/>
+                <a:chOff x="7633741" y="2063042"/>
+                <a:chExt cx="985334" cy="458327"/>
+              </a:xfrm>
+            </p:grpSpPr>
+            <p:sp>
+              <p:nvSpPr>
+                <p:cNvPr id="88" name="Flowchart: Magnetic Disk 87"/>
+                <p:cNvSpPr/>
+                <p:nvPr/>
+              </p:nvSpPr>
+              <p:spPr>
+                <a:xfrm>
+                  <a:off x="7656601" y="2063042"/>
+                  <a:ext cx="921649" cy="458327"/>
+                </a:xfrm>
+                <a:prstGeom prst="flowChartMagneticDisk">
+                  <a:avLst/>
+                </a:prstGeom>
+                <a:solidFill>
+                  <a:schemeClr val="bg1">
+                    <a:lumMod val="95000"/>
+                  </a:schemeClr>
+                </a:solidFill>
+                <a:ln w="3175">
+                  <a:solidFill>
+                    <a:schemeClr val="bg1">
+                      <a:lumMod val="85000"/>
+                    </a:schemeClr>
+                  </a:solidFill>
+                </a:ln>
+              </p:spPr>
+              <p:style>
+                <a:lnRef idx="2">
+                  <a:schemeClr val="dk1"/>
+                </a:lnRef>
+                <a:fillRef idx="1">
+                  <a:schemeClr val="lt1"/>
+                </a:fillRef>
+                <a:effectRef idx="0">
+                  <a:schemeClr val="dk1"/>
+                </a:effectRef>
+                <a:fontRef idx="minor">
+                  <a:schemeClr val="dk1"/>
+                </a:fontRef>
+              </p:style>
+              <p:txBody>
+                <a:bodyPr rtlCol="0" anchor="ctr"/>
+                <a:lstStyle/>
+                <a:p>
+                  <a:pPr algn="ctr"/>
+                  <a:endParaRPr lang="en-US" dirty="0"/>
+                </a:p>
+              </p:txBody>
+            </p:sp>
+            <p:sp>
+              <p:nvSpPr>
+                <p:cNvPr id="89" name="TextBox 88"/>
+                <p:cNvSpPr txBox="1"/>
+                <p:nvPr/>
+              </p:nvSpPr>
+              <p:spPr>
+                <a:xfrm>
+                  <a:off x="7633741" y="2187939"/>
+                  <a:ext cx="985334" cy="323165"/>
+                </a:xfrm>
+                <a:prstGeom prst="rect">
+                  <a:avLst/>
+                </a:prstGeom>
+                <a:noFill/>
+                <a:ln>
+                  <a:noFill/>
+                </a:ln>
+              </p:spPr>
+              <p:txBody>
+                <a:bodyPr wrap="none" rtlCol="0">
+                  <a:spAutoFit/>
+                </a:bodyPr>
+                <a:lstStyle/>
+                <a:p>
+                  <a:r>
+                    <a:rPr lang="en-US" sz="1500" dirty="0" smtClean="0">
+                      <a:solidFill>
+                        <a:schemeClr val="bg1">
+                          <a:lumMod val="50000"/>
+                        </a:schemeClr>
+                      </a:solidFill>
+                    </a:rPr>
+                    <a:t>Marketing</a:t>
+                  </a:r>
+                  <a:endParaRPr lang="en-US" sz="1500" dirty="0">
+                    <a:solidFill>
+                      <a:schemeClr val="bg1">
+                        <a:lumMod val="50000"/>
+                      </a:schemeClr>
+                    </a:solidFill>
+                  </a:endParaRPr>
+                </a:p>
+              </p:txBody>
+            </p:sp>
+          </p:grpSp>
+        </p:grpSp>
+      </p:grpSp>
+      <p:sp>
+        <p:nvSpPr>
+          <p:cNvPr id="101" name="Flowchart: Internal Storage 100"/>
+          <p:cNvSpPr/>
+          <p:nvPr/>
+        </p:nvSpPr>
+        <p:spPr>
+          <a:xfrm>
+            <a:off x="6870967" y="3496160"/>
+            <a:ext cx="1932169" cy="782365"/>
+          </a:xfrm>
+          <a:prstGeom prst="flowChartInternalStorage">
+            <a:avLst/>
+          </a:prstGeom>
+          <a:ln w="3175"/>
+        </p:spPr>
+        <p:style>
+          <a:lnRef idx="2">
+            <a:schemeClr val="dk1"/>
+          </a:lnRef>
+          <a:fillRef idx="1">
+            <a:schemeClr val="lt1"/>
+          </a:fillRef>
+          <a:effectRef idx="0">
+            <a:schemeClr val="dk1"/>
+          </a:effectRef>
+          <a:fontRef idx="minor">
+            <a:schemeClr val="dk1"/>
+          </a:fontRef>
+        </p:style>
+        <p:txBody>
+          <a:bodyPr rtlCol="0" anchor="ctr"/>
+          <a:lstStyle/>
+          <a:p>
+            <a:pPr algn="ctr"/>
+            <a:r>
+              <a:rPr lang="en-US" dirty="0" smtClean="0"/>
+              <a:t>Dataset </a:t>
+            </a:r>
+          </a:p>
+          <a:p>
+            <a:pPr algn="ctr"/>
+            <a:r>
+              <a:rPr lang="en-US" sz="1500" i="1" dirty="0" smtClean="0"/>
+              <a:t>767 features</a:t>
+            </a:r>
+            <a:endParaRPr lang="en-US" sz="1500" i="1" dirty="0"/>
+          </a:p>
+        </p:txBody>
+      </p:sp>
+      <p:sp>
+        <p:nvSpPr>
+          <p:cNvPr id="102" name="Rectangle 101"/>
+          <p:cNvSpPr/>
+          <p:nvPr/>
+        </p:nvSpPr>
+        <p:spPr>
+          <a:xfrm>
+            <a:off x="10253392" y="2239194"/>
+            <a:ext cx="1811099" cy="753016"/>
+          </a:xfrm>
+          <a:prstGeom prst="rect">
+            <a:avLst/>
+          </a:prstGeom>
+          <a:ln w="3175"/>
+        </p:spPr>
+        <p:style>
+          <a:lnRef idx="2">
+            <a:schemeClr val="dk1"/>
+          </a:lnRef>
+          <a:fillRef idx="1">
+            <a:schemeClr val="lt1"/>
+          </a:fillRef>
+          <a:effectRef idx="0">
+            <a:schemeClr val="dk1"/>
+          </a:effectRef>
+          <a:fontRef idx="minor">
+            <a:schemeClr val="dk1"/>
+          </a:fontRef>
+        </p:style>
+        <p:txBody>
+          <a:bodyPr rtlCol="0" anchor="ctr"/>
+          <a:lstStyle/>
+          <a:p>
+            <a:pPr algn="ctr"/>
+            <a:endParaRPr lang="en-US" dirty="0"/>
+          </a:p>
+        </p:txBody>
+      </p:sp>
+      <p:cxnSp>
+        <p:nvCxnSpPr>
+          <p:cNvPr id="103" name="Straight Arrow Connector 102"/>
+          <p:cNvCxnSpPr>
+            <a:stCxn id="83" idx="3"/>
+          </p:cNvCxnSpPr>
+          <p:nvPr/>
+        </p:nvCxnSpPr>
+        <p:spPr>
+          <a:xfrm>
+            <a:off x="9085414" y="2466895"/>
+            <a:ext cx="1147658" cy="25384"/>
+          </a:xfrm>
+          <a:prstGeom prst="straightConnector1">
+            <a:avLst/>
+          </a:prstGeom>
+          <a:ln>
+            <a:solidFill>
+              <a:schemeClr val="tx1"/>
+            </a:solidFill>
+            <a:tailEnd type="triangle"/>
+          </a:ln>
+        </p:spPr>
+        <p:style>
+          <a:lnRef idx="1">
+            <a:schemeClr val="accent1"/>
+          </a:lnRef>
+          <a:fillRef idx="0">
+            <a:schemeClr val="accent1"/>
+          </a:fillRef>
+          <a:effectRef idx="0">
+            <a:schemeClr val="accent1"/>
+          </a:effectRef>
+          <a:fontRef idx="minor">
+            <a:schemeClr val="tx1"/>
+          </a:fontRef>
+        </p:style>
+      </p:cxnSp>
+      <p:cxnSp>
+        <p:nvCxnSpPr>
+          <p:cNvPr id="104" name="Straight Arrow Connector 103"/>
+          <p:cNvCxnSpPr>
+            <a:stCxn id="102" idx="1"/>
+          </p:cNvCxnSpPr>
+          <p:nvPr/>
+        </p:nvCxnSpPr>
+        <p:spPr>
+          <a:xfrm flipH="1">
+            <a:off x="8791860" y="2615702"/>
+            <a:ext cx="1461532" cy="1088551"/>
+          </a:xfrm>
+          <a:prstGeom prst="straightConnector1">
+            <a:avLst/>
+          </a:prstGeom>
+          <a:ln>
+            <a:solidFill>
+              <a:schemeClr val="tx1"/>
+            </a:solidFill>
+            <a:tailEnd type="triangle"/>
+          </a:ln>
+        </p:spPr>
+        <p:style>
+          <a:lnRef idx="1">
+            <a:schemeClr val="accent1"/>
+          </a:lnRef>
+          <a:fillRef idx="0">
+            <a:schemeClr val="accent1"/>
+          </a:fillRef>
+          <a:effectRef idx="0">
+            <a:schemeClr val="accent1"/>
+          </a:effectRef>
+          <a:fontRef idx="minor">
+            <a:schemeClr val="tx1"/>
+          </a:fontRef>
+        </p:style>
+      </p:cxnSp>
+      <p:sp>
+        <p:nvSpPr>
+          <p:cNvPr id="105" name="TextBox 104"/>
+          <p:cNvSpPr txBox="1"/>
+          <p:nvPr/>
+        </p:nvSpPr>
+        <p:spPr>
+          <a:xfrm>
+            <a:off x="10470172" y="2254318"/>
+            <a:ext cx="1468351" cy="323165"/>
+          </a:xfrm>
+          <a:prstGeom prst="rect">
+            <a:avLst/>
+          </a:prstGeom>
+          <a:noFill/>
+        </p:spPr>
+        <p:txBody>
+          <a:bodyPr wrap="none" rtlCol="0">
+            <a:spAutoFit/>
+          </a:bodyPr>
+          <a:lstStyle/>
+          <a:p>
+            <a:r>
+              <a:rPr lang="en-US" sz="1500" dirty="0" smtClean="0"/>
+              <a:t>Feature creation</a:t>
+            </a:r>
+            <a:endParaRPr lang="en-US" sz="1500" dirty="0"/>
+          </a:p>
+        </p:txBody>
+      </p:sp>
+      <p:pic>
+        <p:nvPicPr>
+          <p:cNvPr id="106" name="Picture 105"/>
+          <p:cNvPicPr>
+            <a:picLocks noChangeAspect="1"/>
+          </p:cNvPicPr>
+          <p:nvPr/>
+        </p:nvPicPr>
+        <p:blipFill>
+          <a:blip r:embed="rId7" cstate="print">
+            <a:extLst>
+              <a:ext uri="{28A0092B-C50C-407E-A947-70E740481C1C}">
+                <a14:useLocalDpi xmlns:a14="http://schemas.microsoft.com/office/drawing/2010/main" val="0"/>
+              </a:ext>
+            </a:extLst>
+          </a:blip>
+          <a:stretch>
+            <a:fillRect/>
+          </a:stretch>
+        </p:blipFill>
+        <p:spPr>
+          <a:xfrm>
+            <a:off x="11244093" y="2581271"/>
+            <a:ext cx="372287" cy="372287"/>
+          </a:xfrm>
+          <a:prstGeom prst="rect">
+            <a:avLst/>
+          </a:prstGeom>
+        </p:spPr>
+      </p:pic>
+      <p:pic>
+        <p:nvPicPr>
+          <p:cNvPr id="107" name="Picture 106"/>
+          <p:cNvPicPr>
+            <a:picLocks noChangeAspect="1"/>
+          </p:cNvPicPr>
+          <p:nvPr/>
+        </p:nvPicPr>
+        <p:blipFill>
+          <a:blip r:embed="rId8" cstate="print">
+            <a:extLst>
+              <a:ext uri="{28A0092B-C50C-407E-A947-70E740481C1C}">
+                <a14:useLocalDpi xmlns:a14="http://schemas.microsoft.com/office/drawing/2010/main" val="0"/>
+              </a:ext>
+            </a:extLst>
+          </a:blip>
+          <a:stretch>
+            <a:fillRect/>
+          </a:stretch>
+        </p:blipFill>
+        <p:spPr>
+          <a:xfrm>
+            <a:off x="10841028" y="2599933"/>
+            <a:ext cx="346343" cy="346343"/>
+          </a:xfrm>
+          <a:prstGeom prst="rect">
+            <a:avLst/>
+          </a:prstGeom>
+        </p:spPr>
+      </p:pic>
+      <p:cxnSp>
+        <p:nvCxnSpPr>
+          <p:cNvPr id="108" name="Straight Connector 107"/>
+          <p:cNvCxnSpPr/>
+          <p:nvPr/>
+        </p:nvCxnSpPr>
+        <p:spPr>
+          <a:xfrm>
+            <a:off x="7579694" y="2992210"/>
+            <a:ext cx="913840" cy="0"/>
+          </a:xfrm>
+          <a:prstGeom prst="line">
+            <a:avLst/>
+          </a:prstGeom>
+          <a:ln>
+            <a:prstDash val="lgDash"/>
+          </a:ln>
+        </p:spPr>
+        <p:style>
+          <a:lnRef idx="1">
+            <a:schemeClr val="accent1"/>
+          </a:lnRef>
+          <a:fillRef idx="0">
+            <a:schemeClr val="accent1"/>
+          </a:fillRef>
+          <a:effectRef idx="0">
+            <a:schemeClr val="accent1"/>
+          </a:effectRef>
+          <a:fontRef idx="minor">
+            <a:schemeClr val="tx1"/>
+          </a:fontRef>
+        </p:style>
+      </p:cxnSp>
+      <p:cxnSp>
+        <p:nvCxnSpPr>
+          <p:cNvPr id="112" name="Straight Arrow Connector 111"/>
+          <p:cNvCxnSpPr>
+            <a:endCxn id="83" idx="1"/>
+          </p:cNvCxnSpPr>
+          <p:nvPr/>
+        </p:nvCxnSpPr>
+        <p:spPr>
+          <a:xfrm flipV="1">
+            <a:off x="5586061" y="2466895"/>
+            <a:ext cx="805516" cy="2105632"/>
+          </a:xfrm>
+          <a:prstGeom prst="straightConnector1">
+            <a:avLst/>
+          </a:prstGeom>
+          <a:ln>
+            <a:solidFill>
+              <a:schemeClr val="tx1"/>
+            </a:solidFill>
+            <a:tailEnd type="triangle"/>
+          </a:ln>
+        </p:spPr>
+        <p:style>
+          <a:lnRef idx="1">
+            <a:schemeClr val="accent1"/>
+          </a:lnRef>
+          <a:fillRef idx="0">
+            <a:schemeClr val="accent1"/>
+          </a:fillRef>
+          <a:effectRef idx="0">
+            <a:schemeClr val="accent1"/>
+          </a:effectRef>
+          <a:fontRef idx="minor">
+            <a:schemeClr val="tx1"/>
+          </a:fontRef>
+        </p:style>
+      </p:cxnSp>
+      <p:sp>
+        <p:nvSpPr>
+          <p:cNvPr id="114" name="Rectangle 113"/>
+          <p:cNvSpPr/>
+          <p:nvPr/>
+        </p:nvSpPr>
+        <p:spPr>
+          <a:xfrm>
+            <a:off x="10235481" y="3325760"/>
+            <a:ext cx="1829010" cy="872444"/>
+          </a:xfrm>
+          <a:prstGeom prst="rect">
+            <a:avLst/>
+          </a:prstGeom>
+          <a:ln w="3175"/>
+        </p:spPr>
+        <p:style>
+          <a:lnRef idx="2">
+            <a:schemeClr val="dk1"/>
+          </a:lnRef>
+          <a:fillRef idx="1">
+            <a:schemeClr val="lt1"/>
+          </a:fillRef>
+          <a:effectRef idx="0">
+            <a:schemeClr val="dk1"/>
+          </a:effectRef>
+          <a:fontRef idx="minor">
+            <a:schemeClr val="dk1"/>
+          </a:fontRef>
+        </p:style>
+        <p:txBody>
+          <a:bodyPr rtlCol="0" anchor="ctr"/>
+          <a:lstStyle/>
+          <a:p>
+            <a:pPr algn="ctr"/>
+            <a:endParaRPr lang="en-US" dirty="0"/>
+          </a:p>
+        </p:txBody>
+      </p:sp>
+      <p:sp>
+        <p:nvSpPr>
+          <p:cNvPr id="115" name="Flowchart: Internal Storage 114"/>
+          <p:cNvSpPr/>
+          <p:nvPr/>
+        </p:nvSpPr>
+        <p:spPr>
+          <a:xfrm>
+            <a:off x="6859691" y="4548269"/>
+            <a:ext cx="1932169" cy="782365"/>
+          </a:xfrm>
+          <a:prstGeom prst="flowChartInternalStorage">
+            <a:avLst/>
+          </a:prstGeom>
+          <a:ln w="3175"/>
+        </p:spPr>
+        <p:style>
+          <a:lnRef idx="2">
+            <a:schemeClr val="dk1"/>
+          </a:lnRef>
+          <a:fillRef idx="1">
+            <a:schemeClr val="lt1"/>
+          </a:fillRef>
+          <a:effectRef idx="0">
+            <a:schemeClr val="dk1"/>
+          </a:effectRef>
+          <a:fontRef idx="minor">
+            <a:schemeClr val="dk1"/>
+          </a:fontRef>
+        </p:style>
+        <p:txBody>
+          <a:bodyPr rtlCol="0" anchor="ctr"/>
+          <a:lstStyle/>
+          <a:p>
+            <a:pPr algn="ctr"/>
+            <a:r>
+              <a:rPr lang="en-US" dirty="0" smtClean="0"/>
+              <a:t>Dataset </a:t>
+            </a:r>
+          </a:p>
+          <a:p>
+            <a:pPr algn="ctr"/>
+            <a:r>
+              <a:rPr lang="en-US" sz="1500" i="1" dirty="0" smtClean="0"/>
+              <a:t>48 and 54</a:t>
+            </a:r>
+            <a:r>
+              <a:rPr lang="en-US" sz="1500" i="1" dirty="0" smtClean="0"/>
+              <a:t> </a:t>
+            </a:r>
+            <a:r>
+              <a:rPr lang="en-US" sz="1500" i="1" dirty="0" smtClean="0"/>
+              <a:t>features</a:t>
+            </a:r>
+            <a:endParaRPr lang="en-US" sz="1500" i="1" dirty="0"/>
+          </a:p>
+        </p:txBody>
+      </p:sp>
+      <p:sp>
+        <p:nvSpPr>
+          <p:cNvPr id="118" name="TextBox 117"/>
+          <p:cNvSpPr txBox="1"/>
+          <p:nvPr/>
+        </p:nvSpPr>
+        <p:spPr>
+          <a:xfrm>
+            <a:off x="10381046" y="3369567"/>
+            <a:ext cx="1573701" cy="784830"/>
+          </a:xfrm>
+          <a:prstGeom prst="rect">
+            <a:avLst/>
+          </a:prstGeom>
+          <a:noFill/>
+        </p:spPr>
+        <p:txBody>
+          <a:bodyPr wrap="none" rtlCol="0">
+            <a:spAutoFit/>
+          </a:bodyPr>
+          <a:lstStyle/>
+          <a:p>
+            <a:pPr algn="ctr"/>
+            <a:r>
+              <a:rPr lang="en-US" sz="1500" dirty="0" smtClean="0"/>
+              <a:t>Preprocessing</a:t>
+            </a:r>
+          </a:p>
+          <a:p>
+            <a:pPr algn="ctr"/>
+            <a:r>
+              <a:rPr lang="en-US" sz="1500" dirty="0" smtClean="0"/>
+              <a:t>+</a:t>
+            </a:r>
+            <a:endParaRPr lang="en-US" sz="1500" dirty="0"/>
+          </a:p>
+          <a:p>
+            <a:pPr algn="ctr"/>
+            <a:r>
+              <a:rPr lang="en-US" sz="1500" dirty="0" smtClean="0"/>
+              <a:t> Feature selection</a:t>
+            </a:r>
+            <a:endParaRPr lang="en-US" sz="1500" dirty="0"/>
+          </a:p>
+        </p:txBody>
+      </p:sp>
+      <p:cxnSp>
+        <p:nvCxnSpPr>
+          <p:cNvPr id="121" name="Straight Arrow Connector 120"/>
+          <p:cNvCxnSpPr>
+            <a:endCxn id="114" idx="1"/>
+          </p:cNvCxnSpPr>
+          <p:nvPr/>
+        </p:nvCxnSpPr>
+        <p:spPr>
+          <a:xfrm flipV="1">
+            <a:off x="8803136" y="3761982"/>
+            <a:ext cx="1432345" cy="147546"/>
+          </a:xfrm>
+          <a:prstGeom prst="straightConnector1">
+            <a:avLst/>
+          </a:prstGeom>
+          <a:ln>
+            <a:solidFill>
+              <a:schemeClr val="tx1"/>
+            </a:solidFill>
+            <a:tailEnd type="triangle"/>
+          </a:ln>
+        </p:spPr>
+        <p:style>
+          <a:lnRef idx="1">
+            <a:schemeClr val="accent1"/>
+          </a:lnRef>
+          <a:fillRef idx="0">
+            <a:schemeClr val="accent1"/>
+          </a:fillRef>
+          <a:effectRef idx="0">
+            <a:schemeClr val="accent1"/>
+          </a:effectRef>
+          <a:fontRef idx="minor">
+            <a:schemeClr val="tx1"/>
+          </a:fontRef>
+        </p:style>
+      </p:cxnSp>
+      <p:cxnSp>
+        <p:nvCxnSpPr>
+          <p:cNvPr id="123" name="Straight Arrow Connector 122"/>
+          <p:cNvCxnSpPr/>
+          <p:nvPr/>
+        </p:nvCxnSpPr>
+        <p:spPr>
+          <a:xfrm flipH="1">
+            <a:off x="8791860" y="3937518"/>
+            <a:ext cx="1434500" cy="877078"/>
+          </a:xfrm>
+          <a:prstGeom prst="straightConnector1">
+            <a:avLst/>
+          </a:prstGeom>
+          <a:ln>
+            <a:solidFill>
+              <a:schemeClr val="tx1"/>
+            </a:solidFill>
+            <a:tailEnd type="triangle"/>
+          </a:ln>
+        </p:spPr>
+        <p:style>
+          <a:lnRef idx="1">
+            <a:schemeClr val="accent1"/>
+          </a:lnRef>
+          <a:fillRef idx="0">
+            <a:schemeClr val="accent1"/>
+          </a:fillRef>
+          <a:effectRef idx="0">
+            <a:schemeClr val="accent1"/>
+          </a:effectRef>
+          <a:fontRef idx="minor">
+            <a:schemeClr val="tx1"/>
+          </a:fontRef>
+        </p:style>
+      </p:cxnSp>
+      <p:sp>
+        <p:nvSpPr>
+          <p:cNvPr id="129" name="Rectangle 128"/>
+          <p:cNvSpPr/>
+          <p:nvPr/>
+        </p:nvSpPr>
+        <p:spPr>
+          <a:xfrm>
+            <a:off x="10258053" y="4668163"/>
+            <a:ext cx="1811099" cy="753016"/>
+          </a:xfrm>
+          <a:prstGeom prst="rect">
+            <a:avLst/>
+          </a:prstGeom>
+          <a:ln w="3175"/>
+        </p:spPr>
+        <p:style>
+          <a:lnRef idx="2">
+            <a:schemeClr val="dk1"/>
+          </a:lnRef>
+          <a:fillRef idx="1">
+            <a:schemeClr val="lt1"/>
+          </a:fillRef>
+          <a:effectRef idx="0">
+            <a:schemeClr val="dk1"/>
+          </a:effectRef>
+          <a:fontRef idx="minor">
+            <a:schemeClr val="dk1"/>
+          </a:fontRef>
+        </p:style>
+        <p:txBody>
+          <a:bodyPr rtlCol="0" anchor="ctr"/>
+          <a:lstStyle/>
+          <a:p>
+            <a:pPr algn="ctr"/>
+            <a:endParaRPr lang="en-US" dirty="0"/>
+          </a:p>
+        </p:txBody>
+      </p:sp>
+      <p:sp>
+        <p:nvSpPr>
+          <p:cNvPr id="130" name="TextBox 129"/>
+          <p:cNvSpPr txBox="1"/>
+          <p:nvPr/>
+        </p:nvSpPr>
+        <p:spPr>
+          <a:xfrm>
+            <a:off x="10812532" y="4650418"/>
+            <a:ext cx="692818" cy="323165"/>
+          </a:xfrm>
+          <a:prstGeom prst="rect">
+            <a:avLst/>
+          </a:prstGeom>
+          <a:noFill/>
+        </p:spPr>
+        <p:txBody>
+          <a:bodyPr wrap="none" rtlCol="0">
+            <a:spAutoFit/>
+          </a:bodyPr>
+          <a:lstStyle/>
+          <a:p>
+            <a:r>
+              <a:rPr lang="en-US" sz="1500" dirty="0" smtClean="0"/>
+              <a:t>Model</a:t>
+            </a:r>
+            <a:endParaRPr lang="en-US" sz="1500" dirty="0"/>
+          </a:p>
+        </p:txBody>
+      </p:sp>
+      <p:pic>
+        <p:nvPicPr>
+          <p:cNvPr id="133" name="Picture 132"/>
+          <p:cNvPicPr>
+            <a:picLocks noChangeAspect="1"/>
+          </p:cNvPicPr>
+          <p:nvPr/>
+        </p:nvPicPr>
+        <p:blipFill>
+          <a:blip r:embed="rId9" cstate="print">
+            <a:extLst>
+              <a:ext uri="{28A0092B-C50C-407E-A947-70E740481C1C}">
+                <a14:useLocalDpi xmlns:a14="http://schemas.microsoft.com/office/drawing/2010/main" val="0"/>
+              </a:ext>
+            </a:extLst>
+          </a:blip>
+          <a:stretch>
+            <a:fillRect/>
+          </a:stretch>
+        </p:blipFill>
+        <p:spPr>
+          <a:xfrm>
+            <a:off x="10978119" y="4963335"/>
+            <a:ext cx="376622" cy="376622"/>
+          </a:xfrm>
+          <a:prstGeom prst="rect">
+            <a:avLst/>
+          </a:prstGeom>
+        </p:spPr>
+      </p:pic>
+      <p:cxnSp>
+        <p:nvCxnSpPr>
+          <p:cNvPr id="135" name="Straight Arrow Connector 134"/>
+          <p:cNvCxnSpPr>
+            <a:stCxn id="115" idx="3"/>
+          </p:cNvCxnSpPr>
+          <p:nvPr/>
+        </p:nvCxnSpPr>
+        <p:spPr>
+          <a:xfrm flipV="1">
+            <a:off x="8791860" y="4879910"/>
+            <a:ext cx="1461532" cy="59542"/>
+          </a:xfrm>
+          <a:prstGeom prst="straightConnector1">
+            <a:avLst/>
+          </a:prstGeom>
+          <a:ln>
+            <a:solidFill>
+              <a:schemeClr val="tx1"/>
+            </a:solidFill>
+            <a:tailEnd type="triangle"/>
+          </a:ln>
+        </p:spPr>
+        <p:style>
+          <a:lnRef idx="1">
+            <a:schemeClr val="accent1"/>
+          </a:lnRef>
+          <a:fillRef idx="0">
+            <a:schemeClr val="accent1"/>
+          </a:fillRef>
+          <a:effectRef idx="0">
+            <a:schemeClr val="accent1"/>
+          </a:effectRef>
+          <a:fontRef idx="minor">
+            <a:schemeClr val="tx1"/>
+          </a:fontRef>
+        </p:style>
+      </p:cxnSp>
+      <p:pic>
+        <p:nvPicPr>
+          <p:cNvPr id="138" name="Picture 137"/>
+          <p:cNvPicPr>
+            <a:picLocks noChangeAspect="1"/>
+          </p:cNvPicPr>
+          <p:nvPr/>
+        </p:nvPicPr>
+        <p:blipFill>
+          <a:blip r:embed="rId10" cstate="print">
+            <a:extLst>
+              <a:ext uri="{28A0092B-C50C-407E-A947-70E740481C1C}">
+                <a14:useLocalDpi xmlns:a14="http://schemas.microsoft.com/office/drawing/2010/main" val="0"/>
+              </a:ext>
+            </a:extLst>
+          </a:blip>
+          <a:stretch>
+            <a:fillRect/>
+          </a:stretch>
+        </p:blipFill>
+        <p:spPr>
+          <a:xfrm>
+            <a:off x="7559723" y="5600378"/>
+            <a:ext cx="544063" cy="544063"/>
+          </a:xfrm>
+          <a:prstGeom prst="rect">
+            <a:avLst/>
+          </a:prstGeom>
+        </p:spPr>
+      </p:pic>
+      <p:sp>
+        <p:nvSpPr>
+          <p:cNvPr id="139" name="TextBox 138"/>
+          <p:cNvSpPr txBox="1"/>
+          <p:nvPr/>
+        </p:nvSpPr>
+        <p:spPr>
+          <a:xfrm>
+            <a:off x="7307579" y="6194631"/>
+            <a:ext cx="1058944" cy="323165"/>
+          </a:xfrm>
+          <a:prstGeom prst="rect">
+            <a:avLst/>
+          </a:prstGeom>
+          <a:noFill/>
+        </p:spPr>
+        <p:txBody>
+          <a:bodyPr wrap="none" rtlCol="0">
+            <a:spAutoFit/>
+          </a:bodyPr>
+          <a:lstStyle/>
+          <a:p>
+            <a:r>
+              <a:rPr lang="en-US" sz="1500" dirty="0" smtClean="0"/>
+              <a:t>Predictions</a:t>
+            </a:r>
+            <a:endParaRPr lang="en-US" sz="1500" dirty="0"/>
+          </a:p>
+        </p:txBody>
+      </p:sp>
+      <p:cxnSp>
+        <p:nvCxnSpPr>
+          <p:cNvPr id="141" name="Straight Arrow Connector 140"/>
+          <p:cNvCxnSpPr>
+            <a:stCxn id="129" idx="1"/>
+            <a:endCxn id="138" idx="3"/>
+          </p:cNvCxnSpPr>
+          <p:nvPr/>
+        </p:nvCxnSpPr>
+        <p:spPr>
+          <a:xfrm flipH="1">
+            <a:off x="8103786" y="5044671"/>
+            <a:ext cx="2154267" cy="827739"/>
+          </a:xfrm>
+          <a:prstGeom prst="straightConnector1">
+            <a:avLst/>
+          </a:prstGeom>
+          <a:ln>
+            <a:solidFill>
+              <a:schemeClr val="tx1"/>
+            </a:solidFill>
+            <a:tailEnd type="triangle"/>
+          </a:ln>
+        </p:spPr>
+        <p:style>
+          <a:lnRef idx="1">
+            <a:schemeClr val="accent1"/>
+          </a:lnRef>
+          <a:fillRef idx="0">
+            <a:schemeClr val="accent1"/>
+          </a:fillRef>
+          <a:effectRef idx="0">
+            <a:schemeClr val="accent1"/>
+          </a:effectRef>
+          <a:fontRef idx="minor">
+            <a:schemeClr val="tx1"/>
+          </a:fontRef>
+        </p:style>
+      </p:cxnSp>
+      <p:grpSp>
+        <p:nvGrpSpPr>
+          <p:cNvPr id="142" name="Group 141"/>
+          <p:cNvGrpSpPr/>
+          <p:nvPr/>
+        </p:nvGrpSpPr>
+        <p:grpSpPr>
+          <a:xfrm>
+            <a:off x="359082" y="3590259"/>
+            <a:ext cx="2598420" cy="2735895"/>
+            <a:chOff x="925830" y="1446128"/>
+            <a:chExt cx="2598420" cy="2353640"/>
+          </a:xfrm>
+        </p:grpSpPr>
+        <p:sp>
+          <p:nvSpPr>
+            <p:cNvPr id="143" name="Rectangle 142"/>
             <p:cNvSpPr/>
             <p:nvPr/>
           </p:nvSpPr>
           <p:spPr>
             <a:xfrm>
-              <a:off x="1177290" y="2365689"/>
-              <a:ext cx="979170" cy="305476"/>
-            </a:xfrm>
-            <a:prstGeom prst="rect">
-              <a:avLst/>
-            </a:prstGeom>
-            <a:solidFill>
-              <a:schemeClr val="bg1">
-                <a:lumMod val="95000"/>
-              </a:schemeClr>
-            </a:solidFill>
-            <a:ln>
-              <a:solidFill>
-                <a:schemeClr val="bg1">
-                  <a:lumMod val="85000"/>
-                </a:schemeClr>
-              </a:solidFill>
-            </a:ln>
-          </p:spPr>
-          <p:style>
-            <a:lnRef idx="2">
-              <a:schemeClr val="dk1"/>
-            </a:lnRef>
-            <a:fillRef idx="1">
-              <a:schemeClr val="lt1"/>
-            </a:fillRef>
-            <a:effectRef idx="0">
-              <a:schemeClr val="dk1"/>
-            </a:effectRef>
-            <a:fontRef idx="minor">
-              <a:schemeClr val="dk1"/>
-            </a:fontRef>
-          </p:style>
-          <p:txBody>
-            <a:bodyPr rtlCol="0" anchor="ctr"/>
-            <a:lstStyle/>
-            <a:p>
-              <a:pPr algn="ctr"/>
-              <a:r>
-                <a:rPr lang="en-US" sz="1500" dirty="0" smtClean="0"/>
-                <a:t>Marketing</a:t>
-              </a:r>
-              <a:endParaRPr lang="en-US" sz="1500" dirty="0"/>
-            </a:p>
-          </p:txBody>
-        </p:sp>
-        <p:sp>
-          <p:nvSpPr>
-            <p:cNvPr id="13" name="Rectangle 12"/>
-            <p:cNvSpPr/>
-            <p:nvPr/>
-          </p:nvSpPr>
-          <p:spPr>
-            <a:xfrm>
-              <a:off x="2260148" y="1871730"/>
-              <a:ext cx="959488" cy="330449"/>
-            </a:xfrm>
-            <a:prstGeom prst="rect">
-              <a:avLst/>
-            </a:prstGeom>
-            <a:solidFill>
-              <a:schemeClr val="bg1">
-                <a:lumMod val="95000"/>
-              </a:schemeClr>
-            </a:solidFill>
-            <a:ln>
-              <a:solidFill>
-                <a:schemeClr val="bg1">
-                  <a:lumMod val="85000"/>
-                </a:schemeClr>
-              </a:solidFill>
-            </a:ln>
-          </p:spPr>
-          <p:style>
-            <a:lnRef idx="2">
-              <a:schemeClr val="dk1"/>
-            </a:lnRef>
-            <a:fillRef idx="1">
-              <a:schemeClr val="lt1"/>
-            </a:fillRef>
-            <a:effectRef idx="0">
-              <a:schemeClr val="dk1"/>
-            </a:effectRef>
-            <a:fontRef idx="minor">
-              <a:schemeClr val="dk1"/>
-            </a:fontRef>
-          </p:style>
-          <p:txBody>
-            <a:bodyPr rtlCol="0" anchor="ctr"/>
-            <a:lstStyle/>
-            <a:p>
-              <a:pPr algn="ctr"/>
-              <a:r>
-                <a:rPr lang="en-US" sz="1500" dirty="0" smtClean="0"/>
-                <a:t>Pricing</a:t>
-              </a:r>
-              <a:endParaRPr lang="en-US" sz="1500" dirty="0"/>
-            </a:p>
-          </p:txBody>
-        </p:sp>
-        <p:sp>
-          <p:nvSpPr>
-            <p:cNvPr id="12" name="Rectangle 11"/>
-            <p:cNvSpPr/>
-            <p:nvPr/>
-          </p:nvSpPr>
-          <p:spPr>
-            <a:xfrm>
-              <a:off x="2301397" y="2365689"/>
-              <a:ext cx="918240" cy="305475"/>
-            </a:xfrm>
-            <a:prstGeom prst="rect">
-              <a:avLst/>
-            </a:prstGeom>
-            <a:solidFill>
-              <a:schemeClr val="bg1">
-                <a:lumMod val="95000"/>
-              </a:schemeClr>
-            </a:solidFill>
-            <a:ln>
-              <a:solidFill>
-                <a:schemeClr val="bg1">
-                  <a:lumMod val="85000"/>
-                </a:schemeClr>
-              </a:solidFill>
-            </a:ln>
-          </p:spPr>
-          <p:style>
-            <a:lnRef idx="2">
-              <a:schemeClr val="dk1"/>
-            </a:lnRef>
-            <a:fillRef idx="1">
-              <a:schemeClr val="lt1"/>
-            </a:fillRef>
-            <a:effectRef idx="0">
-              <a:schemeClr val="dk1"/>
-            </a:effectRef>
-            <a:fontRef idx="minor">
-              <a:schemeClr val="dk1"/>
-            </a:fontRef>
-          </p:style>
-          <p:txBody>
-            <a:bodyPr rtlCol="0" anchor="ctr"/>
-            <a:lstStyle/>
-            <a:p>
-              <a:pPr algn="ctr"/>
-              <a:r>
-                <a:rPr lang="en-US" sz="1500" dirty="0" smtClean="0"/>
-                <a:t>CRM</a:t>
-              </a:r>
-              <a:endParaRPr lang="en-US" sz="1500" dirty="0"/>
-            </a:p>
-          </p:txBody>
-        </p:sp>
-        <p:cxnSp>
-          <p:nvCxnSpPr>
-            <p:cNvPr id="29" name="Straight Connector 28"/>
-            <p:cNvCxnSpPr/>
-            <p:nvPr/>
-          </p:nvCxnSpPr>
-          <p:spPr>
-            <a:xfrm>
-              <a:off x="1744800" y="2941320"/>
-              <a:ext cx="913840" cy="0"/>
-            </a:xfrm>
-            <a:prstGeom prst="line">
-              <a:avLst/>
-            </a:prstGeom>
-            <a:ln>
-              <a:prstDash val="lgDash"/>
-            </a:ln>
-          </p:spPr>
-          <p:style>
-            <a:lnRef idx="1">
-              <a:schemeClr val="accent1"/>
-            </a:lnRef>
-            <a:fillRef idx="0">
-              <a:schemeClr val="accent1"/>
-            </a:fillRef>
-            <a:effectRef idx="0">
-              <a:schemeClr val="accent1"/>
-            </a:effectRef>
-            <a:fontRef idx="minor">
-              <a:schemeClr val="tx1"/>
-            </a:fontRef>
-          </p:style>
-        </p:cxnSp>
-      </p:grpSp>
-      <p:grpSp>
-        <p:nvGrpSpPr>
-          <p:cNvPr id="31" name="Group 30"/>
-          <p:cNvGrpSpPr/>
-          <p:nvPr/>
-        </p:nvGrpSpPr>
-        <p:grpSpPr>
-          <a:xfrm>
-            <a:off x="931449" y="3409950"/>
-            <a:ext cx="2598420" cy="2254250"/>
-            <a:chOff x="925830" y="1446129"/>
-            <a:chExt cx="2598420" cy="1939290"/>
-          </a:xfrm>
-        </p:grpSpPr>
-        <p:sp>
-          <p:nvSpPr>
-            <p:cNvPr id="32" name="Rectangle 31"/>
-            <p:cNvSpPr/>
-            <p:nvPr/>
-          </p:nvSpPr>
-          <p:spPr>
-            <a:xfrm>
-              <a:off x="925830" y="1446129"/>
-              <a:ext cx="2598420" cy="1939290"/>
+              <a:off x="925830" y="1446128"/>
+              <a:ext cx="2598420" cy="2353640"/>
             </a:xfrm>
             <a:prstGeom prst="rect">
               <a:avLst/>
@@ -6284,7 +7940,7 @@
         </p:sp>
         <p:sp>
           <p:nvSpPr>
-            <p:cNvPr id="33" name="TextBox 32"/>
+            <p:cNvPr id="144" name="TextBox 143"/>
             <p:cNvSpPr txBox="1"/>
             <p:nvPr/>
           </p:nvSpPr>
@@ -6314,7 +7970,7 @@
         </p:sp>
         <p:sp>
           <p:nvSpPr>
-            <p:cNvPr id="34" name="Rectangle 33"/>
+            <p:cNvPr id="145" name="Rectangle 144"/>
             <p:cNvSpPr/>
             <p:nvPr/>
           </p:nvSpPr>
@@ -6375,14 +8031,14 @@
       </p:grpSp>
       <p:pic>
         <p:nvPicPr>
-          <p:cNvPr id="39" name="Picture 38"/>
+          <p:cNvPr id="146" name="Picture 145"/>
           <p:cNvPicPr>
             <a:picLocks noChangeAspect="1"/>
           </p:cNvPicPr>
           <p:nvPr/>
         </p:nvPicPr>
         <p:blipFill rotWithShape="1">
-          <a:blip r:embed="rId7" cstate="print">
+          <a:blip r:embed="rId11" cstate="print">
             <a:extLst>
               <a:ext uri="{28A0092B-C50C-407E-A947-70E740481C1C}">
                 <a14:useLocalDpi xmlns:a14="http://schemas.microsoft.com/office/drawing/2010/main" val="0"/>
@@ -6394,7 +8050,7 @@
         </p:blipFill>
         <p:spPr>
           <a:xfrm>
-            <a:off x="1894919" y="4985206"/>
+            <a:off x="1322552" y="5290871"/>
             <a:ext cx="624840" cy="589280"/>
           </a:xfrm>
           <a:prstGeom prst="rect">
@@ -6402,23 +8058,162 @@
           </a:prstGeom>
         </p:spPr>
       </p:pic>
+      <p:cxnSp>
+        <p:nvCxnSpPr>
+          <p:cNvPr id="148" name="Straight Arrow Connector 147"/>
+          <p:cNvCxnSpPr>
+            <a:stCxn id="138" idx="1"/>
+            <a:endCxn id="5" idx="3"/>
+          </p:cNvCxnSpPr>
+          <p:nvPr/>
+        </p:nvCxnSpPr>
+        <p:spPr>
+          <a:xfrm flipH="1" flipV="1">
+            <a:off x="5587471" y="4720538"/>
+            <a:ext cx="1972252" cy="1151872"/>
+          </a:xfrm>
+          <a:prstGeom prst="straightConnector1">
+            <a:avLst/>
+          </a:prstGeom>
+          <a:ln>
+            <a:solidFill>
+              <a:schemeClr val="tx1"/>
+            </a:solidFill>
+            <a:tailEnd type="triangle"/>
+          </a:ln>
+        </p:spPr>
+        <p:style>
+          <a:lnRef idx="1">
+            <a:schemeClr val="accent1"/>
+          </a:lnRef>
+          <a:fillRef idx="0">
+            <a:schemeClr val="accent1"/>
+          </a:fillRef>
+          <a:effectRef idx="0">
+            <a:schemeClr val="accent1"/>
+          </a:effectRef>
+          <a:fontRef idx="minor">
+            <a:schemeClr val="tx1"/>
+          </a:fontRef>
+        </p:style>
+      </p:cxnSp>
+      <p:cxnSp>
+        <p:nvCxnSpPr>
+          <p:cNvPr id="150" name="Straight Arrow Connector 149"/>
+          <p:cNvCxnSpPr>
+            <a:stCxn id="5" idx="1"/>
+            <a:endCxn id="145" idx="3"/>
+          </p:cNvCxnSpPr>
+          <p:nvPr/>
+        </p:nvCxnSpPr>
+        <p:spPr>
+          <a:xfrm flipH="1" flipV="1">
+            <a:off x="2367415" y="4338052"/>
+            <a:ext cx="1367506" cy="382486"/>
+          </a:xfrm>
+          <a:prstGeom prst="straightConnector1">
+            <a:avLst/>
+          </a:prstGeom>
+          <a:ln>
+            <a:solidFill>
+              <a:schemeClr val="tx1"/>
+            </a:solidFill>
+            <a:tailEnd type="triangle"/>
+          </a:ln>
+        </p:spPr>
+        <p:style>
+          <a:lnRef idx="1">
+            <a:schemeClr val="accent1"/>
+          </a:lnRef>
+          <a:fillRef idx="0">
+            <a:schemeClr val="accent1"/>
+          </a:fillRef>
+          <a:effectRef idx="0">
+            <a:schemeClr val="accent1"/>
+          </a:effectRef>
+          <a:fontRef idx="minor">
+            <a:schemeClr val="tx1"/>
+          </a:fontRef>
+        </p:style>
+      </p:cxnSp>
+      <p:sp>
+        <p:nvSpPr>
+          <p:cNvPr id="151" name="TextBox 150"/>
+          <p:cNvSpPr txBox="1"/>
+          <p:nvPr/>
+        </p:nvSpPr>
+        <p:spPr>
+          <a:xfrm>
+            <a:off x="1180997" y="5880151"/>
+            <a:ext cx="960519" cy="323165"/>
+          </a:xfrm>
+          <a:prstGeom prst="rect">
+            <a:avLst/>
+          </a:prstGeom>
+          <a:noFill/>
+        </p:spPr>
+        <p:txBody>
+          <a:bodyPr wrap="none" rtlCol="0">
+            <a:spAutoFit/>
+          </a:bodyPr>
+          <a:lstStyle/>
+          <a:p>
+            <a:r>
+              <a:rPr lang="en-US" sz="1500" dirty="0" smtClean="0"/>
+              <a:t>Campaign</a:t>
+            </a:r>
+            <a:endParaRPr lang="en-US" sz="1500" dirty="0"/>
+          </a:p>
+        </p:txBody>
+      </p:sp>
+      <p:cxnSp>
+        <p:nvCxnSpPr>
+          <p:cNvPr id="153" name="Straight Arrow Connector 152"/>
+          <p:cNvCxnSpPr>
+            <a:stCxn id="145" idx="2"/>
+          </p:cNvCxnSpPr>
+          <p:nvPr/>
+        </p:nvCxnSpPr>
+        <p:spPr>
+          <a:xfrm flipH="1">
+            <a:off x="1589712" y="4610071"/>
+            <a:ext cx="7620" cy="664739"/>
+          </a:xfrm>
+          <a:prstGeom prst="straightConnector1">
+            <a:avLst/>
+          </a:prstGeom>
+          <a:ln>
+            <a:solidFill>
+              <a:schemeClr val="tx1"/>
+            </a:solidFill>
+            <a:tailEnd type="triangle"/>
+          </a:ln>
+        </p:spPr>
+        <p:style>
+          <a:lnRef idx="1">
+            <a:schemeClr val="accent1"/>
+          </a:lnRef>
+          <a:fillRef idx="0">
+            <a:schemeClr val="accent1"/>
+          </a:fillRef>
+          <a:effectRef idx="0">
+            <a:schemeClr val="accent1"/>
+          </a:effectRef>
+          <a:fontRef idx="minor">
+            <a:schemeClr val="tx1"/>
+          </a:fontRef>
+        </p:style>
+      </p:cxnSp>
     </p:spTree>
     <p:extLst>
       <p:ext uri="{BB962C8B-B14F-4D97-AF65-F5344CB8AC3E}">
-        <p14:creationId xmlns:p14="http://schemas.microsoft.com/office/powerpoint/2010/main" val="4234062709"/>
+        <p14:creationId xmlns:p14="http://schemas.microsoft.com/office/powerpoint/2010/main" val="4078422488"/>
       </p:ext>
     </p:extLst>
   </p:cSld>
   <p:clrMapOvr>
     <a:masterClrMapping/>
   </p:clrMapOvr>
-  <p:timing>
-    <p:tnLst>
-      <p:par>
-        <p:cTn id="1" dur="indefinite" restart="never" nodeType="tmRoot"/>
-      </p:par>
-    </p:tnLst>
-  </p:timing>
 </p:sld>
 </file>
 
@@ -7883,10 +9678,6 @@
               </a:rPr>
               <a:t>1</a:t>
             </a:r>
-            <a:endParaRPr lang="en-US" sz="900" dirty="0">
-              <a:latin typeface="Courier New" panose="02070309020205020404" pitchFamily="49" charset="0"/>
-              <a:cs typeface="Courier New" panose="02070309020205020404" pitchFamily="49" charset="0"/>
-            </a:endParaRPr>
           </a:p>
         </p:txBody>
       </p:sp>
@@ -8223,10 +10014,6 @@
               </a:rPr>
               <a:t>1</a:t>
             </a:r>
-            <a:endParaRPr lang="en-US" sz="900" dirty="0">
-              <a:latin typeface="Courier New" panose="02070309020205020404" pitchFamily="49" charset="0"/>
-              <a:cs typeface="Courier New" panose="02070309020205020404" pitchFamily="49" charset="0"/>
-            </a:endParaRPr>
           </a:p>
         </p:txBody>
       </p:sp>
